--- a/Алькевич А.С/текст.pptx
+++ b/Алькевич А.С/текст.pptx
@@ -6,11 +6,12 @@
   </p:sldMasterIdLst>
   <p:sldIdLst>
     <p:sldId id="269" r:id="rId2"/>
-    <p:sldId id="273" r:id="rId3"/>
-    <p:sldId id="274" r:id="rId4"/>
-    <p:sldId id="275" r:id="rId5"/>
-    <p:sldId id="280" r:id="rId6"/>
-    <p:sldId id="257" r:id="rId7"/>
+    <p:sldId id="281" r:id="rId3"/>
+    <p:sldId id="273" r:id="rId4"/>
+    <p:sldId id="274" r:id="rId5"/>
+    <p:sldId id="275" r:id="rId6"/>
+    <p:sldId id="280" r:id="rId7"/>
+    <p:sldId id="257" r:id="rId8"/>
   </p:sldIdLst>
   <p:sldSz cx="12192000" cy="6858000"/>
   <p:notesSz cx="6858000" cy="9144000"/>
@@ -134,7 +135,7 @@
           <p:cNvPr id="2" name="Title 1">
             <a:extLst>
               <a:ext uri="{FF2B5EF4-FFF2-40B4-BE49-F238E27FC236}">
-                <a16:creationId xmlns:a16="http://schemas.microsoft.com/office/drawing/2014/main" id="{BD642293-D59D-4E52-87BC-1ED332E105FE}"/>
+                <a16:creationId xmlns:a16="http://schemas.microsoft.com/office/drawing/2014/main" xmlns="" id="{BD642293-D59D-4E52-87BC-1ED332E105FE}"/>
               </a:ext>
             </a:extLst>
           </p:cNvPr>
@@ -171,7 +172,7 @@
           <p:cNvPr id="3" name="Subtitle 2">
             <a:extLst>
               <a:ext uri="{FF2B5EF4-FFF2-40B4-BE49-F238E27FC236}">
-                <a16:creationId xmlns:a16="http://schemas.microsoft.com/office/drawing/2014/main" id="{BAA8A343-557C-4985-85CA-ED5AD0974447}"/>
+                <a16:creationId xmlns:a16="http://schemas.microsoft.com/office/drawing/2014/main" xmlns="" id="{BAA8A343-557C-4985-85CA-ED5AD0974447}"/>
               </a:ext>
             </a:extLst>
           </p:cNvPr>
@@ -241,7 +242,7 @@
           <p:cNvPr id="4" name="Date Placeholder 3">
             <a:extLst>
               <a:ext uri="{FF2B5EF4-FFF2-40B4-BE49-F238E27FC236}">
-                <a16:creationId xmlns:a16="http://schemas.microsoft.com/office/drawing/2014/main" id="{7D26BDB1-CF59-4C94-B14C-364A6C9105BB}"/>
+                <a16:creationId xmlns:a16="http://schemas.microsoft.com/office/drawing/2014/main" xmlns="" id="{7D26BDB1-CF59-4C94-B14C-364A6C9105BB}"/>
               </a:ext>
             </a:extLst>
           </p:cNvPr>
@@ -259,6 +260,7 @@
           <a:p>
             <a:fld id="{B0F284C2-6C6D-4BA0-B575-C85255FC49D2}" type="datetimeFigureOut">
               <a:rPr lang="en-US" smtClean="0"/>
+              <a:pPr/>
               <a:t>6/17/2019</a:t>
             </a:fld>
             <a:endParaRPr lang="en-US"/>
@@ -270,7 +272,7 @@
           <p:cNvPr id="5" name="Footer Placeholder 4">
             <a:extLst>
               <a:ext uri="{FF2B5EF4-FFF2-40B4-BE49-F238E27FC236}">
-                <a16:creationId xmlns:a16="http://schemas.microsoft.com/office/drawing/2014/main" id="{486F93D8-8C95-4298-A339-6550A5692E3A}"/>
+                <a16:creationId xmlns:a16="http://schemas.microsoft.com/office/drawing/2014/main" xmlns="" id="{486F93D8-8C95-4298-A339-6550A5692E3A}"/>
               </a:ext>
             </a:extLst>
           </p:cNvPr>
@@ -295,7 +297,7 @@
           <p:cNvPr id="6" name="Slide Number Placeholder 5">
             <a:extLst>
               <a:ext uri="{FF2B5EF4-FFF2-40B4-BE49-F238E27FC236}">
-                <a16:creationId xmlns:a16="http://schemas.microsoft.com/office/drawing/2014/main" id="{307C83D5-3FDD-4D84-AAAC-F1BAF50D756F}"/>
+                <a16:creationId xmlns:a16="http://schemas.microsoft.com/office/drawing/2014/main" xmlns="" id="{307C83D5-3FDD-4D84-AAAC-F1BAF50D756F}"/>
               </a:ext>
             </a:extLst>
           </p:cNvPr>
@@ -313,6 +315,7 @@
           <a:p>
             <a:fld id="{B9BD1031-23E5-4101-8B65-AF9DF8F65B8D}" type="slidenum">
               <a:rPr lang="en-US" smtClean="0"/>
+              <a:pPr/>
               <a:t>‹#›</a:t>
             </a:fld>
             <a:endParaRPr lang="en-US"/>
@@ -322,7 +325,7 @@
     </p:spTree>
     <p:extLst>
       <p:ext uri="{BB962C8B-B14F-4D97-AF65-F5344CB8AC3E}">
-        <p14:creationId xmlns:p14="http://schemas.microsoft.com/office/powerpoint/2010/main" val="1846876077"/>
+        <p14:creationId xmlns:p14="http://schemas.microsoft.com/office/powerpoint/2010/main" xmlns="" val="1846876077"/>
       </p:ext>
     </p:extLst>
   </p:cSld>
@@ -354,7 +357,7 @@
           <p:cNvPr id="2" name="Title 1">
             <a:extLst>
               <a:ext uri="{FF2B5EF4-FFF2-40B4-BE49-F238E27FC236}">
-                <a16:creationId xmlns:a16="http://schemas.microsoft.com/office/drawing/2014/main" id="{E2A857E0-E396-4931-A863-F6BA8312EE0C}"/>
+                <a16:creationId xmlns:a16="http://schemas.microsoft.com/office/drawing/2014/main" xmlns="" id="{E2A857E0-E396-4931-A863-F6BA8312EE0C}"/>
               </a:ext>
             </a:extLst>
           </p:cNvPr>
@@ -382,7 +385,7 @@
           <p:cNvPr id="3" name="Vertical Text Placeholder 2">
             <a:extLst>
               <a:ext uri="{FF2B5EF4-FFF2-40B4-BE49-F238E27FC236}">
-                <a16:creationId xmlns:a16="http://schemas.microsoft.com/office/drawing/2014/main" id="{B8722E19-F5FA-414D-A34C-B38F5567E641}"/>
+                <a16:creationId xmlns:a16="http://schemas.microsoft.com/office/drawing/2014/main" xmlns="" id="{B8722E19-F5FA-414D-A34C-B38F5567E641}"/>
               </a:ext>
             </a:extLst>
           </p:cNvPr>
@@ -439,7 +442,7 @@
           <p:cNvPr id="4" name="Date Placeholder 3">
             <a:extLst>
               <a:ext uri="{FF2B5EF4-FFF2-40B4-BE49-F238E27FC236}">
-                <a16:creationId xmlns:a16="http://schemas.microsoft.com/office/drawing/2014/main" id="{9E086630-A65D-49D5-A81D-32CC5359BDDA}"/>
+                <a16:creationId xmlns:a16="http://schemas.microsoft.com/office/drawing/2014/main" xmlns="" id="{9E086630-A65D-49D5-A81D-32CC5359BDDA}"/>
               </a:ext>
             </a:extLst>
           </p:cNvPr>
@@ -457,6 +460,7 @@
           <a:p>
             <a:fld id="{B0F284C2-6C6D-4BA0-B575-C85255FC49D2}" type="datetimeFigureOut">
               <a:rPr lang="en-US" smtClean="0"/>
+              <a:pPr/>
               <a:t>6/17/2019</a:t>
             </a:fld>
             <a:endParaRPr lang="en-US"/>
@@ -468,7 +472,7 @@
           <p:cNvPr id="5" name="Footer Placeholder 4">
             <a:extLst>
               <a:ext uri="{FF2B5EF4-FFF2-40B4-BE49-F238E27FC236}">
-                <a16:creationId xmlns:a16="http://schemas.microsoft.com/office/drawing/2014/main" id="{3B3880CA-B802-43DB-BE0E-70C2CC699C8C}"/>
+                <a16:creationId xmlns:a16="http://schemas.microsoft.com/office/drawing/2014/main" xmlns="" id="{3B3880CA-B802-43DB-BE0E-70C2CC699C8C}"/>
               </a:ext>
             </a:extLst>
           </p:cNvPr>
@@ -493,7 +497,7 @@
           <p:cNvPr id="6" name="Slide Number Placeholder 5">
             <a:extLst>
               <a:ext uri="{FF2B5EF4-FFF2-40B4-BE49-F238E27FC236}">
-                <a16:creationId xmlns:a16="http://schemas.microsoft.com/office/drawing/2014/main" id="{503C38A7-3B4B-4DF6-8599-B8391C16BAF0}"/>
+                <a16:creationId xmlns:a16="http://schemas.microsoft.com/office/drawing/2014/main" xmlns="" id="{503C38A7-3B4B-4DF6-8599-B8391C16BAF0}"/>
               </a:ext>
             </a:extLst>
           </p:cNvPr>
@@ -511,6 +515,7 @@
           <a:p>
             <a:fld id="{B9BD1031-23E5-4101-8B65-AF9DF8F65B8D}" type="slidenum">
               <a:rPr lang="en-US" smtClean="0"/>
+              <a:pPr/>
               <a:t>‹#›</a:t>
             </a:fld>
             <a:endParaRPr lang="en-US"/>
@@ -520,7 +525,7 @@
     </p:spTree>
     <p:extLst>
       <p:ext uri="{BB962C8B-B14F-4D97-AF65-F5344CB8AC3E}">
-        <p14:creationId xmlns:p14="http://schemas.microsoft.com/office/powerpoint/2010/main" val="3757219519"/>
+        <p14:creationId xmlns:p14="http://schemas.microsoft.com/office/powerpoint/2010/main" xmlns="" val="3757219519"/>
       </p:ext>
     </p:extLst>
   </p:cSld>
@@ -552,7 +557,7 @@
           <p:cNvPr id="2" name="Vertical Title 1">
             <a:extLst>
               <a:ext uri="{FF2B5EF4-FFF2-40B4-BE49-F238E27FC236}">
-                <a16:creationId xmlns:a16="http://schemas.microsoft.com/office/drawing/2014/main" id="{3A7FF7AF-2CC1-405A-B775-BCE4EB5DF1ED}"/>
+                <a16:creationId xmlns:a16="http://schemas.microsoft.com/office/drawing/2014/main" xmlns="" id="{3A7FF7AF-2CC1-405A-B775-BCE4EB5DF1ED}"/>
               </a:ext>
             </a:extLst>
           </p:cNvPr>
@@ -585,7 +590,7 @@
           <p:cNvPr id="3" name="Vertical Text Placeholder 2">
             <a:extLst>
               <a:ext uri="{FF2B5EF4-FFF2-40B4-BE49-F238E27FC236}">
-                <a16:creationId xmlns:a16="http://schemas.microsoft.com/office/drawing/2014/main" id="{7BDAD7F9-4189-4A96-B367-68DE4421E597}"/>
+                <a16:creationId xmlns:a16="http://schemas.microsoft.com/office/drawing/2014/main" xmlns="" id="{7BDAD7F9-4189-4A96-B367-68DE4421E597}"/>
               </a:ext>
             </a:extLst>
           </p:cNvPr>
@@ -647,7 +652,7 @@
           <p:cNvPr id="4" name="Date Placeholder 3">
             <a:extLst>
               <a:ext uri="{FF2B5EF4-FFF2-40B4-BE49-F238E27FC236}">
-                <a16:creationId xmlns:a16="http://schemas.microsoft.com/office/drawing/2014/main" id="{8E27990D-B2F9-4B59-AF60-47B2064C0814}"/>
+                <a16:creationId xmlns:a16="http://schemas.microsoft.com/office/drawing/2014/main" xmlns="" id="{8E27990D-B2F9-4B59-AF60-47B2064C0814}"/>
               </a:ext>
             </a:extLst>
           </p:cNvPr>
@@ -665,6 +670,7 @@
           <a:p>
             <a:fld id="{B0F284C2-6C6D-4BA0-B575-C85255FC49D2}" type="datetimeFigureOut">
               <a:rPr lang="en-US" smtClean="0"/>
+              <a:pPr/>
               <a:t>6/17/2019</a:t>
             </a:fld>
             <a:endParaRPr lang="en-US"/>
@@ -676,7 +682,7 @@
           <p:cNvPr id="5" name="Footer Placeholder 4">
             <a:extLst>
               <a:ext uri="{FF2B5EF4-FFF2-40B4-BE49-F238E27FC236}">
-                <a16:creationId xmlns:a16="http://schemas.microsoft.com/office/drawing/2014/main" id="{4900092B-4B1F-4D72-A682-A7EEC73E8EA7}"/>
+                <a16:creationId xmlns:a16="http://schemas.microsoft.com/office/drawing/2014/main" xmlns="" id="{4900092B-4B1F-4D72-A682-A7EEC73E8EA7}"/>
               </a:ext>
             </a:extLst>
           </p:cNvPr>
@@ -701,7 +707,7 @@
           <p:cNvPr id="6" name="Slide Number Placeholder 5">
             <a:extLst>
               <a:ext uri="{FF2B5EF4-FFF2-40B4-BE49-F238E27FC236}">
-                <a16:creationId xmlns:a16="http://schemas.microsoft.com/office/drawing/2014/main" id="{3AFA4206-09BB-42B8-861B-186B4565825F}"/>
+                <a16:creationId xmlns:a16="http://schemas.microsoft.com/office/drawing/2014/main" xmlns="" id="{3AFA4206-09BB-42B8-861B-186B4565825F}"/>
               </a:ext>
             </a:extLst>
           </p:cNvPr>
@@ -719,6 +725,7 @@
           <a:p>
             <a:fld id="{B9BD1031-23E5-4101-8B65-AF9DF8F65B8D}" type="slidenum">
               <a:rPr lang="en-US" smtClean="0"/>
+              <a:pPr/>
               <a:t>‹#›</a:t>
             </a:fld>
             <a:endParaRPr lang="en-US"/>
@@ -728,7 +735,7 @@
     </p:spTree>
     <p:extLst>
       <p:ext uri="{BB962C8B-B14F-4D97-AF65-F5344CB8AC3E}">
-        <p14:creationId xmlns:p14="http://schemas.microsoft.com/office/powerpoint/2010/main" val="4286972230"/>
+        <p14:creationId xmlns:p14="http://schemas.microsoft.com/office/powerpoint/2010/main" xmlns="" val="4286972230"/>
       </p:ext>
     </p:extLst>
   </p:cSld>
@@ -760,7 +767,7 @@
           <p:cNvPr id="2" name="Title 1">
             <a:extLst>
               <a:ext uri="{FF2B5EF4-FFF2-40B4-BE49-F238E27FC236}">
-                <a16:creationId xmlns:a16="http://schemas.microsoft.com/office/drawing/2014/main" id="{F9B9BD62-AE9E-4C16-BEA1-8C2AFF118645}"/>
+                <a16:creationId xmlns:a16="http://schemas.microsoft.com/office/drawing/2014/main" xmlns="" id="{F9B9BD62-AE9E-4C16-BEA1-8C2AFF118645}"/>
               </a:ext>
             </a:extLst>
           </p:cNvPr>
@@ -788,7 +795,7 @@
           <p:cNvPr id="3" name="Content Placeholder 2">
             <a:extLst>
               <a:ext uri="{FF2B5EF4-FFF2-40B4-BE49-F238E27FC236}">
-                <a16:creationId xmlns:a16="http://schemas.microsoft.com/office/drawing/2014/main" id="{6CA20356-F4DF-4BB0-B9BF-D4516E26EA86}"/>
+                <a16:creationId xmlns:a16="http://schemas.microsoft.com/office/drawing/2014/main" xmlns="" id="{6CA20356-F4DF-4BB0-B9BF-D4516E26EA86}"/>
               </a:ext>
             </a:extLst>
           </p:cNvPr>
@@ -845,7 +852,7 @@
           <p:cNvPr id="4" name="Date Placeholder 3">
             <a:extLst>
               <a:ext uri="{FF2B5EF4-FFF2-40B4-BE49-F238E27FC236}">
-                <a16:creationId xmlns:a16="http://schemas.microsoft.com/office/drawing/2014/main" id="{D511A2B0-627A-474C-A8C2-CD85225BFBE1}"/>
+                <a16:creationId xmlns:a16="http://schemas.microsoft.com/office/drawing/2014/main" xmlns="" id="{D511A2B0-627A-474C-A8C2-CD85225BFBE1}"/>
               </a:ext>
             </a:extLst>
           </p:cNvPr>
@@ -863,6 +870,7 @@
           <a:p>
             <a:fld id="{B0F284C2-6C6D-4BA0-B575-C85255FC49D2}" type="datetimeFigureOut">
               <a:rPr lang="en-US" smtClean="0"/>
+              <a:pPr/>
               <a:t>6/17/2019</a:t>
             </a:fld>
             <a:endParaRPr lang="en-US"/>
@@ -874,7 +882,7 @@
           <p:cNvPr id="5" name="Footer Placeholder 4">
             <a:extLst>
               <a:ext uri="{FF2B5EF4-FFF2-40B4-BE49-F238E27FC236}">
-                <a16:creationId xmlns:a16="http://schemas.microsoft.com/office/drawing/2014/main" id="{A1F59DCC-D1DB-4C65-A1AC-D1309D324D04}"/>
+                <a16:creationId xmlns:a16="http://schemas.microsoft.com/office/drawing/2014/main" xmlns="" id="{A1F59DCC-D1DB-4C65-A1AC-D1309D324D04}"/>
               </a:ext>
             </a:extLst>
           </p:cNvPr>
@@ -899,7 +907,7 @@
           <p:cNvPr id="6" name="Slide Number Placeholder 5">
             <a:extLst>
               <a:ext uri="{FF2B5EF4-FFF2-40B4-BE49-F238E27FC236}">
-                <a16:creationId xmlns:a16="http://schemas.microsoft.com/office/drawing/2014/main" id="{83F835E1-A26B-4E1F-95F0-DCF2470E12BE}"/>
+                <a16:creationId xmlns:a16="http://schemas.microsoft.com/office/drawing/2014/main" xmlns="" id="{83F835E1-A26B-4E1F-95F0-DCF2470E12BE}"/>
               </a:ext>
             </a:extLst>
           </p:cNvPr>
@@ -917,6 +925,7 @@
           <a:p>
             <a:fld id="{B9BD1031-23E5-4101-8B65-AF9DF8F65B8D}" type="slidenum">
               <a:rPr lang="en-US" smtClean="0"/>
+              <a:pPr/>
               <a:t>‹#›</a:t>
             </a:fld>
             <a:endParaRPr lang="en-US"/>
@@ -926,7 +935,7 @@
     </p:spTree>
     <p:extLst>
       <p:ext uri="{BB962C8B-B14F-4D97-AF65-F5344CB8AC3E}">
-        <p14:creationId xmlns:p14="http://schemas.microsoft.com/office/powerpoint/2010/main" val="1308309638"/>
+        <p14:creationId xmlns:p14="http://schemas.microsoft.com/office/powerpoint/2010/main" xmlns="" val="1308309638"/>
       </p:ext>
     </p:extLst>
   </p:cSld>
@@ -958,7 +967,7 @@
           <p:cNvPr id="2" name="Title 1">
             <a:extLst>
               <a:ext uri="{FF2B5EF4-FFF2-40B4-BE49-F238E27FC236}">
-                <a16:creationId xmlns:a16="http://schemas.microsoft.com/office/drawing/2014/main" id="{BF115C54-0F0E-4ABE-93FA-702514EC7162}"/>
+                <a16:creationId xmlns:a16="http://schemas.microsoft.com/office/drawing/2014/main" xmlns="" id="{BF115C54-0F0E-4ABE-93FA-702514EC7162}"/>
               </a:ext>
             </a:extLst>
           </p:cNvPr>
@@ -995,7 +1004,7 @@
           <p:cNvPr id="3" name="Text Placeholder 2">
             <a:extLst>
               <a:ext uri="{FF2B5EF4-FFF2-40B4-BE49-F238E27FC236}">
-                <a16:creationId xmlns:a16="http://schemas.microsoft.com/office/drawing/2014/main" id="{9F8D230A-7F3E-45B0-94ED-AA8621D64EC9}"/>
+                <a16:creationId xmlns:a16="http://schemas.microsoft.com/office/drawing/2014/main" xmlns="" id="{9F8D230A-7F3E-45B0-94ED-AA8621D64EC9}"/>
               </a:ext>
             </a:extLst>
           </p:cNvPr>
@@ -1120,7 +1129,7 @@
           <p:cNvPr id="4" name="Date Placeholder 3">
             <a:extLst>
               <a:ext uri="{FF2B5EF4-FFF2-40B4-BE49-F238E27FC236}">
-                <a16:creationId xmlns:a16="http://schemas.microsoft.com/office/drawing/2014/main" id="{447EF699-16E8-4935-847E-ABF57B7770D9}"/>
+                <a16:creationId xmlns:a16="http://schemas.microsoft.com/office/drawing/2014/main" xmlns="" id="{447EF699-16E8-4935-847E-ABF57B7770D9}"/>
               </a:ext>
             </a:extLst>
           </p:cNvPr>
@@ -1138,6 +1147,7 @@
           <a:p>
             <a:fld id="{B0F284C2-6C6D-4BA0-B575-C85255FC49D2}" type="datetimeFigureOut">
               <a:rPr lang="en-US" smtClean="0"/>
+              <a:pPr/>
               <a:t>6/17/2019</a:t>
             </a:fld>
             <a:endParaRPr lang="en-US"/>
@@ -1149,7 +1159,7 @@
           <p:cNvPr id="5" name="Footer Placeholder 4">
             <a:extLst>
               <a:ext uri="{FF2B5EF4-FFF2-40B4-BE49-F238E27FC236}">
-                <a16:creationId xmlns:a16="http://schemas.microsoft.com/office/drawing/2014/main" id="{1C15B223-BC55-4EB8-BE14-D98BD74E4EA1}"/>
+                <a16:creationId xmlns:a16="http://schemas.microsoft.com/office/drawing/2014/main" xmlns="" id="{1C15B223-BC55-4EB8-BE14-D98BD74E4EA1}"/>
               </a:ext>
             </a:extLst>
           </p:cNvPr>
@@ -1174,7 +1184,7 @@
           <p:cNvPr id="6" name="Slide Number Placeholder 5">
             <a:extLst>
               <a:ext uri="{FF2B5EF4-FFF2-40B4-BE49-F238E27FC236}">
-                <a16:creationId xmlns:a16="http://schemas.microsoft.com/office/drawing/2014/main" id="{A47B48BF-3CCC-4535-854E-685D71D51D3E}"/>
+                <a16:creationId xmlns:a16="http://schemas.microsoft.com/office/drawing/2014/main" xmlns="" id="{A47B48BF-3CCC-4535-854E-685D71D51D3E}"/>
               </a:ext>
             </a:extLst>
           </p:cNvPr>
@@ -1192,6 +1202,7 @@
           <a:p>
             <a:fld id="{B9BD1031-23E5-4101-8B65-AF9DF8F65B8D}" type="slidenum">
               <a:rPr lang="en-US" smtClean="0"/>
+              <a:pPr/>
               <a:t>‹#›</a:t>
             </a:fld>
             <a:endParaRPr lang="en-US"/>
@@ -1201,7 +1212,7 @@
     </p:spTree>
     <p:extLst>
       <p:ext uri="{BB962C8B-B14F-4D97-AF65-F5344CB8AC3E}">
-        <p14:creationId xmlns:p14="http://schemas.microsoft.com/office/powerpoint/2010/main" val="4092676959"/>
+        <p14:creationId xmlns:p14="http://schemas.microsoft.com/office/powerpoint/2010/main" xmlns="" val="4092676959"/>
       </p:ext>
     </p:extLst>
   </p:cSld>
@@ -1233,7 +1244,7 @@
           <p:cNvPr id="2" name="Title 1">
             <a:extLst>
               <a:ext uri="{FF2B5EF4-FFF2-40B4-BE49-F238E27FC236}">
-                <a16:creationId xmlns:a16="http://schemas.microsoft.com/office/drawing/2014/main" id="{79F50DCF-E1F6-4A57-84A8-941E153E0CCE}"/>
+                <a16:creationId xmlns:a16="http://schemas.microsoft.com/office/drawing/2014/main" xmlns="" id="{79F50DCF-E1F6-4A57-84A8-941E153E0CCE}"/>
               </a:ext>
             </a:extLst>
           </p:cNvPr>
@@ -1261,7 +1272,7 @@
           <p:cNvPr id="3" name="Content Placeholder 2">
             <a:extLst>
               <a:ext uri="{FF2B5EF4-FFF2-40B4-BE49-F238E27FC236}">
-                <a16:creationId xmlns:a16="http://schemas.microsoft.com/office/drawing/2014/main" id="{DE4157C8-118D-450C-A9A8-0DC1ACA4A883}"/>
+                <a16:creationId xmlns:a16="http://schemas.microsoft.com/office/drawing/2014/main" xmlns="" id="{DE4157C8-118D-450C-A9A8-0DC1ACA4A883}"/>
               </a:ext>
             </a:extLst>
           </p:cNvPr>
@@ -1323,7 +1334,7 @@
           <p:cNvPr id="4" name="Content Placeholder 3">
             <a:extLst>
               <a:ext uri="{FF2B5EF4-FFF2-40B4-BE49-F238E27FC236}">
-                <a16:creationId xmlns:a16="http://schemas.microsoft.com/office/drawing/2014/main" id="{2F7D250F-F1E6-48BB-BB8F-3C4372843496}"/>
+                <a16:creationId xmlns:a16="http://schemas.microsoft.com/office/drawing/2014/main" xmlns="" id="{2F7D250F-F1E6-48BB-BB8F-3C4372843496}"/>
               </a:ext>
             </a:extLst>
           </p:cNvPr>
@@ -1385,7 +1396,7 @@
           <p:cNvPr id="5" name="Date Placeholder 4">
             <a:extLst>
               <a:ext uri="{FF2B5EF4-FFF2-40B4-BE49-F238E27FC236}">
-                <a16:creationId xmlns:a16="http://schemas.microsoft.com/office/drawing/2014/main" id="{19E2ED55-7568-4B8C-B96B-8222CD3F8FB8}"/>
+                <a16:creationId xmlns:a16="http://schemas.microsoft.com/office/drawing/2014/main" xmlns="" id="{19E2ED55-7568-4B8C-B96B-8222CD3F8FB8}"/>
               </a:ext>
             </a:extLst>
           </p:cNvPr>
@@ -1403,6 +1414,7 @@
           <a:p>
             <a:fld id="{B0F284C2-6C6D-4BA0-B575-C85255FC49D2}" type="datetimeFigureOut">
               <a:rPr lang="en-US" smtClean="0"/>
+              <a:pPr/>
               <a:t>6/17/2019</a:t>
             </a:fld>
             <a:endParaRPr lang="en-US"/>
@@ -1414,7 +1426,7 @@
           <p:cNvPr id="6" name="Footer Placeholder 5">
             <a:extLst>
               <a:ext uri="{FF2B5EF4-FFF2-40B4-BE49-F238E27FC236}">
-                <a16:creationId xmlns:a16="http://schemas.microsoft.com/office/drawing/2014/main" id="{BB10A591-5318-4146-AF1B-96709DDE89CA}"/>
+                <a16:creationId xmlns:a16="http://schemas.microsoft.com/office/drawing/2014/main" xmlns="" id="{BB10A591-5318-4146-AF1B-96709DDE89CA}"/>
               </a:ext>
             </a:extLst>
           </p:cNvPr>
@@ -1439,7 +1451,7 @@
           <p:cNvPr id="7" name="Slide Number Placeholder 6">
             <a:extLst>
               <a:ext uri="{FF2B5EF4-FFF2-40B4-BE49-F238E27FC236}">
-                <a16:creationId xmlns:a16="http://schemas.microsoft.com/office/drawing/2014/main" id="{4B21F389-B9EB-4B68-A3A1-68EAAB603A34}"/>
+                <a16:creationId xmlns:a16="http://schemas.microsoft.com/office/drawing/2014/main" xmlns="" id="{4B21F389-B9EB-4B68-A3A1-68EAAB603A34}"/>
               </a:ext>
             </a:extLst>
           </p:cNvPr>
@@ -1457,6 +1469,7 @@
           <a:p>
             <a:fld id="{B9BD1031-23E5-4101-8B65-AF9DF8F65B8D}" type="slidenum">
               <a:rPr lang="en-US" smtClean="0"/>
+              <a:pPr/>
               <a:t>‹#›</a:t>
             </a:fld>
             <a:endParaRPr lang="en-US"/>
@@ -1466,7 +1479,7 @@
     </p:spTree>
     <p:extLst>
       <p:ext uri="{BB962C8B-B14F-4D97-AF65-F5344CB8AC3E}">
-        <p14:creationId xmlns:p14="http://schemas.microsoft.com/office/powerpoint/2010/main" val="2992479271"/>
+        <p14:creationId xmlns:p14="http://schemas.microsoft.com/office/powerpoint/2010/main" xmlns="" val="2992479271"/>
       </p:ext>
     </p:extLst>
   </p:cSld>
@@ -1498,7 +1511,7 @@
           <p:cNvPr id="2" name="Title 1">
             <a:extLst>
               <a:ext uri="{FF2B5EF4-FFF2-40B4-BE49-F238E27FC236}">
-                <a16:creationId xmlns:a16="http://schemas.microsoft.com/office/drawing/2014/main" id="{0CEF40AC-DF4F-45B1-A40D-EA6C560DAA51}"/>
+                <a16:creationId xmlns:a16="http://schemas.microsoft.com/office/drawing/2014/main" xmlns="" id="{0CEF40AC-DF4F-45B1-A40D-EA6C560DAA51}"/>
               </a:ext>
             </a:extLst>
           </p:cNvPr>
@@ -1531,7 +1544,7 @@
           <p:cNvPr id="3" name="Text Placeholder 2">
             <a:extLst>
               <a:ext uri="{FF2B5EF4-FFF2-40B4-BE49-F238E27FC236}">
-                <a16:creationId xmlns:a16="http://schemas.microsoft.com/office/drawing/2014/main" id="{8868A122-0071-4111-B62D-7BD2B46FC4AC}"/>
+                <a16:creationId xmlns:a16="http://schemas.microsoft.com/office/drawing/2014/main" xmlns="" id="{8868A122-0071-4111-B62D-7BD2B46FC4AC}"/>
               </a:ext>
             </a:extLst>
           </p:cNvPr>
@@ -1602,7 +1615,7 @@
           <p:cNvPr id="4" name="Content Placeholder 3">
             <a:extLst>
               <a:ext uri="{FF2B5EF4-FFF2-40B4-BE49-F238E27FC236}">
-                <a16:creationId xmlns:a16="http://schemas.microsoft.com/office/drawing/2014/main" id="{5B7DD8FA-B788-4D47-BFD7-28ED964CC050}"/>
+                <a16:creationId xmlns:a16="http://schemas.microsoft.com/office/drawing/2014/main" xmlns="" id="{5B7DD8FA-B788-4D47-BFD7-28ED964CC050}"/>
               </a:ext>
             </a:extLst>
           </p:cNvPr>
@@ -1664,7 +1677,7 @@
           <p:cNvPr id="5" name="Text Placeholder 4">
             <a:extLst>
               <a:ext uri="{FF2B5EF4-FFF2-40B4-BE49-F238E27FC236}">
-                <a16:creationId xmlns:a16="http://schemas.microsoft.com/office/drawing/2014/main" id="{BF50195C-9578-439F-A3C5-86C9862AF7CF}"/>
+                <a16:creationId xmlns:a16="http://schemas.microsoft.com/office/drawing/2014/main" xmlns="" id="{BF50195C-9578-439F-A3C5-86C9862AF7CF}"/>
               </a:ext>
             </a:extLst>
           </p:cNvPr>
@@ -1735,7 +1748,7 @@
           <p:cNvPr id="6" name="Content Placeholder 5">
             <a:extLst>
               <a:ext uri="{FF2B5EF4-FFF2-40B4-BE49-F238E27FC236}">
-                <a16:creationId xmlns:a16="http://schemas.microsoft.com/office/drawing/2014/main" id="{EDBF3183-F33C-4099-8029-0257D07F9CD7}"/>
+                <a16:creationId xmlns:a16="http://schemas.microsoft.com/office/drawing/2014/main" xmlns="" id="{EDBF3183-F33C-4099-8029-0257D07F9CD7}"/>
               </a:ext>
             </a:extLst>
           </p:cNvPr>
@@ -1797,7 +1810,7 @@
           <p:cNvPr id="7" name="Date Placeholder 6">
             <a:extLst>
               <a:ext uri="{FF2B5EF4-FFF2-40B4-BE49-F238E27FC236}">
-                <a16:creationId xmlns:a16="http://schemas.microsoft.com/office/drawing/2014/main" id="{79914191-16AA-4C24-B977-2341575B5CA2}"/>
+                <a16:creationId xmlns:a16="http://schemas.microsoft.com/office/drawing/2014/main" xmlns="" id="{79914191-16AA-4C24-B977-2341575B5CA2}"/>
               </a:ext>
             </a:extLst>
           </p:cNvPr>
@@ -1815,6 +1828,7 @@
           <a:p>
             <a:fld id="{B0F284C2-6C6D-4BA0-B575-C85255FC49D2}" type="datetimeFigureOut">
               <a:rPr lang="en-US" smtClean="0"/>
+              <a:pPr/>
               <a:t>6/17/2019</a:t>
             </a:fld>
             <a:endParaRPr lang="en-US"/>
@@ -1826,7 +1840,7 @@
           <p:cNvPr id="8" name="Footer Placeholder 7">
             <a:extLst>
               <a:ext uri="{FF2B5EF4-FFF2-40B4-BE49-F238E27FC236}">
-                <a16:creationId xmlns:a16="http://schemas.microsoft.com/office/drawing/2014/main" id="{9F882E27-073D-48A7-AB45-DB3C16B9A53B}"/>
+                <a16:creationId xmlns:a16="http://schemas.microsoft.com/office/drawing/2014/main" xmlns="" id="{9F882E27-073D-48A7-AB45-DB3C16B9A53B}"/>
               </a:ext>
             </a:extLst>
           </p:cNvPr>
@@ -1851,7 +1865,7 @@
           <p:cNvPr id="9" name="Slide Number Placeholder 8">
             <a:extLst>
               <a:ext uri="{FF2B5EF4-FFF2-40B4-BE49-F238E27FC236}">
-                <a16:creationId xmlns:a16="http://schemas.microsoft.com/office/drawing/2014/main" id="{423E5A89-3BCF-4727-89AC-70B1AAE01842}"/>
+                <a16:creationId xmlns:a16="http://schemas.microsoft.com/office/drawing/2014/main" xmlns="" id="{423E5A89-3BCF-4727-89AC-70B1AAE01842}"/>
               </a:ext>
             </a:extLst>
           </p:cNvPr>
@@ -1869,6 +1883,7 @@
           <a:p>
             <a:fld id="{B9BD1031-23E5-4101-8B65-AF9DF8F65B8D}" type="slidenum">
               <a:rPr lang="en-US" smtClean="0"/>
+              <a:pPr/>
               <a:t>‹#›</a:t>
             </a:fld>
             <a:endParaRPr lang="en-US"/>
@@ -1878,7 +1893,7 @@
     </p:spTree>
     <p:extLst>
       <p:ext uri="{BB962C8B-B14F-4D97-AF65-F5344CB8AC3E}">
-        <p14:creationId xmlns:p14="http://schemas.microsoft.com/office/powerpoint/2010/main" val="1024413620"/>
+        <p14:creationId xmlns:p14="http://schemas.microsoft.com/office/powerpoint/2010/main" xmlns="" val="1024413620"/>
       </p:ext>
     </p:extLst>
   </p:cSld>
@@ -1910,7 +1925,7 @@
           <p:cNvPr id="2" name="Title 1">
             <a:extLst>
               <a:ext uri="{FF2B5EF4-FFF2-40B4-BE49-F238E27FC236}">
-                <a16:creationId xmlns:a16="http://schemas.microsoft.com/office/drawing/2014/main" id="{84A36DFB-0ABF-41A2-877B-601098A08EC5}"/>
+                <a16:creationId xmlns:a16="http://schemas.microsoft.com/office/drawing/2014/main" xmlns="" id="{84A36DFB-0ABF-41A2-877B-601098A08EC5}"/>
               </a:ext>
             </a:extLst>
           </p:cNvPr>
@@ -1938,7 +1953,7 @@
           <p:cNvPr id="3" name="Date Placeholder 2">
             <a:extLst>
               <a:ext uri="{FF2B5EF4-FFF2-40B4-BE49-F238E27FC236}">
-                <a16:creationId xmlns:a16="http://schemas.microsoft.com/office/drawing/2014/main" id="{BF7310C2-574D-407D-8F24-23E32536F951}"/>
+                <a16:creationId xmlns:a16="http://schemas.microsoft.com/office/drawing/2014/main" xmlns="" id="{BF7310C2-574D-407D-8F24-23E32536F951}"/>
               </a:ext>
             </a:extLst>
           </p:cNvPr>
@@ -1956,6 +1971,7 @@
           <a:p>
             <a:fld id="{B0F284C2-6C6D-4BA0-B575-C85255FC49D2}" type="datetimeFigureOut">
               <a:rPr lang="en-US" smtClean="0"/>
+              <a:pPr/>
               <a:t>6/17/2019</a:t>
             </a:fld>
             <a:endParaRPr lang="en-US"/>
@@ -1967,7 +1983,7 @@
           <p:cNvPr id="4" name="Footer Placeholder 3">
             <a:extLst>
               <a:ext uri="{FF2B5EF4-FFF2-40B4-BE49-F238E27FC236}">
-                <a16:creationId xmlns:a16="http://schemas.microsoft.com/office/drawing/2014/main" id="{61D92A28-0E36-4BB0-A212-6F3F117E7AF2}"/>
+                <a16:creationId xmlns:a16="http://schemas.microsoft.com/office/drawing/2014/main" xmlns="" id="{61D92A28-0E36-4BB0-A212-6F3F117E7AF2}"/>
               </a:ext>
             </a:extLst>
           </p:cNvPr>
@@ -1992,7 +2008,7 @@
           <p:cNvPr id="5" name="Slide Number Placeholder 4">
             <a:extLst>
               <a:ext uri="{FF2B5EF4-FFF2-40B4-BE49-F238E27FC236}">
-                <a16:creationId xmlns:a16="http://schemas.microsoft.com/office/drawing/2014/main" id="{783AA9DD-4F17-44CE-9F87-1C82D55A51DE}"/>
+                <a16:creationId xmlns:a16="http://schemas.microsoft.com/office/drawing/2014/main" xmlns="" id="{783AA9DD-4F17-44CE-9F87-1C82D55A51DE}"/>
               </a:ext>
             </a:extLst>
           </p:cNvPr>
@@ -2010,6 +2026,7 @@
           <a:p>
             <a:fld id="{B9BD1031-23E5-4101-8B65-AF9DF8F65B8D}" type="slidenum">
               <a:rPr lang="en-US" smtClean="0"/>
+              <a:pPr/>
               <a:t>‹#›</a:t>
             </a:fld>
             <a:endParaRPr lang="en-US"/>
@@ -2019,7 +2036,7 @@
     </p:spTree>
     <p:extLst>
       <p:ext uri="{BB962C8B-B14F-4D97-AF65-F5344CB8AC3E}">
-        <p14:creationId xmlns:p14="http://schemas.microsoft.com/office/powerpoint/2010/main" val="3372162425"/>
+        <p14:creationId xmlns:p14="http://schemas.microsoft.com/office/powerpoint/2010/main" xmlns="" val="3372162425"/>
       </p:ext>
     </p:extLst>
   </p:cSld>
@@ -2051,7 +2068,7 @@
           <p:cNvPr id="2" name="Date Placeholder 1">
             <a:extLst>
               <a:ext uri="{FF2B5EF4-FFF2-40B4-BE49-F238E27FC236}">
-                <a16:creationId xmlns:a16="http://schemas.microsoft.com/office/drawing/2014/main" id="{D7E53A20-9148-4E97-BC79-1683315E4ACC}"/>
+                <a16:creationId xmlns:a16="http://schemas.microsoft.com/office/drawing/2014/main" xmlns="" id="{D7E53A20-9148-4E97-BC79-1683315E4ACC}"/>
               </a:ext>
             </a:extLst>
           </p:cNvPr>
@@ -2069,6 +2086,7 @@
           <a:p>
             <a:fld id="{B0F284C2-6C6D-4BA0-B575-C85255FC49D2}" type="datetimeFigureOut">
               <a:rPr lang="en-US" smtClean="0"/>
+              <a:pPr/>
               <a:t>6/17/2019</a:t>
             </a:fld>
             <a:endParaRPr lang="en-US"/>
@@ -2080,7 +2098,7 @@
           <p:cNvPr id="3" name="Footer Placeholder 2">
             <a:extLst>
               <a:ext uri="{FF2B5EF4-FFF2-40B4-BE49-F238E27FC236}">
-                <a16:creationId xmlns:a16="http://schemas.microsoft.com/office/drawing/2014/main" id="{9B3CCBA5-8F82-4156-BB96-DC3E7E435376}"/>
+                <a16:creationId xmlns:a16="http://schemas.microsoft.com/office/drawing/2014/main" xmlns="" id="{9B3CCBA5-8F82-4156-BB96-DC3E7E435376}"/>
               </a:ext>
             </a:extLst>
           </p:cNvPr>
@@ -2105,7 +2123,7 @@
           <p:cNvPr id="4" name="Slide Number Placeholder 3">
             <a:extLst>
               <a:ext uri="{FF2B5EF4-FFF2-40B4-BE49-F238E27FC236}">
-                <a16:creationId xmlns:a16="http://schemas.microsoft.com/office/drawing/2014/main" id="{66E9E7FA-A765-41EF-9CA6-9D148EE02278}"/>
+                <a16:creationId xmlns:a16="http://schemas.microsoft.com/office/drawing/2014/main" xmlns="" id="{66E9E7FA-A765-41EF-9CA6-9D148EE02278}"/>
               </a:ext>
             </a:extLst>
           </p:cNvPr>
@@ -2123,6 +2141,7 @@
           <a:p>
             <a:fld id="{B9BD1031-23E5-4101-8B65-AF9DF8F65B8D}" type="slidenum">
               <a:rPr lang="en-US" smtClean="0"/>
+              <a:pPr/>
               <a:t>‹#›</a:t>
             </a:fld>
             <a:endParaRPr lang="en-US"/>
@@ -2132,7 +2151,7 @@
     </p:spTree>
     <p:extLst>
       <p:ext uri="{BB962C8B-B14F-4D97-AF65-F5344CB8AC3E}">
-        <p14:creationId xmlns:p14="http://schemas.microsoft.com/office/powerpoint/2010/main" val="2309235477"/>
+        <p14:creationId xmlns:p14="http://schemas.microsoft.com/office/powerpoint/2010/main" xmlns="" val="2309235477"/>
       </p:ext>
     </p:extLst>
   </p:cSld>
@@ -2164,7 +2183,7 @@
           <p:cNvPr id="2" name="Title 1">
             <a:extLst>
               <a:ext uri="{FF2B5EF4-FFF2-40B4-BE49-F238E27FC236}">
-                <a16:creationId xmlns:a16="http://schemas.microsoft.com/office/drawing/2014/main" id="{1D4FEBDC-9D02-41B1-B94E-01D82BF9F711}"/>
+                <a16:creationId xmlns:a16="http://schemas.microsoft.com/office/drawing/2014/main" xmlns="" id="{1D4FEBDC-9D02-41B1-B94E-01D82BF9F711}"/>
               </a:ext>
             </a:extLst>
           </p:cNvPr>
@@ -2201,7 +2220,7 @@
           <p:cNvPr id="3" name="Content Placeholder 2">
             <a:extLst>
               <a:ext uri="{FF2B5EF4-FFF2-40B4-BE49-F238E27FC236}">
-                <a16:creationId xmlns:a16="http://schemas.microsoft.com/office/drawing/2014/main" id="{B409FF0A-E791-47E4-ABED-C2F8A2EE7499}"/>
+                <a16:creationId xmlns:a16="http://schemas.microsoft.com/office/drawing/2014/main" xmlns="" id="{B409FF0A-E791-47E4-ABED-C2F8A2EE7499}"/>
               </a:ext>
             </a:extLst>
           </p:cNvPr>
@@ -2291,7 +2310,7 @@
           <p:cNvPr id="4" name="Text Placeholder 3">
             <a:extLst>
               <a:ext uri="{FF2B5EF4-FFF2-40B4-BE49-F238E27FC236}">
-                <a16:creationId xmlns:a16="http://schemas.microsoft.com/office/drawing/2014/main" id="{9A352310-57A9-4679-95DF-9A3B85848784}"/>
+                <a16:creationId xmlns:a16="http://schemas.microsoft.com/office/drawing/2014/main" xmlns="" id="{9A352310-57A9-4679-95DF-9A3B85848784}"/>
               </a:ext>
             </a:extLst>
           </p:cNvPr>
@@ -2362,7 +2381,7 @@
           <p:cNvPr id="5" name="Date Placeholder 4">
             <a:extLst>
               <a:ext uri="{FF2B5EF4-FFF2-40B4-BE49-F238E27FC236}">
-                <a16:creationId xmlns:a16="http://schemas.microsoft.com/office/drawing/2014/main" id="{E0F01846-C2BF-44E7-894C-F5EC40B195C8}"/>
+                <a16:creationId xmlns:a16="http://schemas.microsoft.com/office/drawing/2014/main" xmlns="" id="{E0F01846-C2BF-44E7-894C-F5EC40B195C8}"/>
               </a:ext>
             </a:extLst>
           </p:cNvPr>
@@ -2380,6 +2399,7 @@
           <a:p>
             <a:fld id="{B0F284C2-6C6D-4BA0-B575-C85255FC49D2}" type="datetimeFigureOut">
               <a:rPr lang="en-US" smtClean="0"/>
+              <a:pPr/>
               <a:t>6/17/2019</a:t>
             </a:fld>
             <a:endParaRPr lang="en-US"/>
@@ -2391,7 +2411,7 @@
           <p:cNvPr id="6" name="Footer Placeholder 5">
             <a:extLst>
               <a:ext uri="{FF2B5EF4-FFF2-40B4-BE49-F238E27FC236}">
-                <a16:creationId xmlns:a16="http://schemas.microsoft.com/office/drawing/2014/main" id="{EC0E3BDA-9419-4AA3-80C7-81511AB82C62}"/>
+                <a16:creationId xmlns:a16="http://schemas.microsoft.com/office/drawing/2014/main" xmlns="" id="{EC0E3BDA-9419-4AA3-80C7-81511AB82C62}"/>
               </a:ext>
             </a:extLst>
           </p:cNvPr>
@@ -2416,7 +2436,7 @@
           <p:cNvPr id="7" name="Slide Number Placeholder 6">
             <a:extLst>
               <a:ext uri="{FF2B5EF4-FFF2-40B4-BE49-F238E27FC236}">
-                <a16:creationId xmlns:a16="http://schemas.microsoft.com/office/drawing/2014/main" id="{35AA07D5-E155-4712-8A70-B715B7D01558}"/>
+                <a16:creationId xmlns:a16="http://schemas.microsoft.com/office/drawing/2014/main" xmlns="" id="{35AA07D5-E155-4712-8A70-B715B7D01558}"/>
               </a:ext>
             </a:extLst>
           </p:cNvPr>
@@ -2434,6 +2454,7 @@
           <a:p>
             <a:fld id="{B9BD1031-23E5-4101-8B65-AF9DF8F65B8D}" type="slidenum">
               <a:rPr lang="en-US" smtClean="0"/>
+              <a:pPr/>
               <a:t>‹#›</a:t>
             </a:fld>
             <a:endParaRPr lang="en-US"/>
@@ -2443,7 +2464,7 @@
     </p:spTree>
     <p:extLst>
       <p:ext uri="{BB962C8B-B14F-4D97-AF65-F5344CB8AC3E}">
-        <p14:creationId xmlns:p14="http://schemas.microsoft.com/office/powerpoint/2010/main" val="4076346275"/>
+        <p14:creationId xmlns:p14="http://schemas.microsoft.com/office/powerpoint/2010/main" xmlns="" val="4076346275"/>
       </p:ext>
     </p:extLst>
   </p:cSld>
@@ -2475,7 +2496,7 @@
           <p:cNvPr id="2" name="Title 1">
             <a:extLst>
               <a:ext uri="{FF2B5EF4-FFF2-40B4-BE49-F238E27FC236}">
-                <a16:creationId xmlns:a16="http://schemas.microsoft.com/office/drawing/2014/main" id="{37B131CB-B3F1-448A-8C5C-CDBFE0559361}"/>
+                <a16:creationId xmlns:a16="http://schemas.microsoft.com/office/drawing/2014/main" xmlns="" id="{37B131CB-B3F1-448A-8C5C-CDBFE0559361}"/>
               </a:ext>
             </a:extLst>
           </p:cNvPr>
@@ -2512,7 +2533,7 @@
           <p:cNvPr id="3" name="Picture Placeholder 2">
             <a:extLst>
               <a:ext uri="{FF2B5EF4-FFF2-40B4-BE49-F238E27FC236}">
-                <a16:creationId xmlns:a16="http://schemas.microsoft.com/office/drawing/2014/main" id="{CD52E9E7-4882-4D49-A2A4-26FD7BE5CE2E}"/>
+                <a16:creationId xmlns:a16="http://schemas.microsoft.com/office/drawing/2014/main" xmlns="" id="{CD52E9E7-4882-4D49-A2A4-26FD7BE5CE2E}"/>
               </a:ext>
             </a:extLst>
           </p:cNvPr>
@@ -2579,7 +2600,7 @@
           <p:cNvPr id="4" name="Text Placeholder 3">
             <a:extLst>
               <a:ext uri="{FF2B5EF4-FFF2-40B4-BE49-F238E27FC236}">
-                <a16:creationId xmlns:a16="http://schemas.microsoft.com/office/drawing/2014/main" id="{E75DD73F-2E9D-4027-ACE8-2A1EDE3E81BA}"/>
+                <a16:creationId xmlns:a16="http://schemas.microsoft.com/office/drawing/2014/main" xmlns="" id="{E75DD73F-2E9D-4027-ACE8-2A1EDE3E81BA}"/>
               </a:ext>
             </a:extLst>
           </p:cNvPr>
@@ -2650,7 +2671,7 @@
           <p:cNvPr id="5" name="Date Placeholder 4">
             <a:extLst>
               <a:ext uri="{FF2B5EF4-FFF2-40B4-BE49-F238E27FC236}">
-                <a16:creationId xmlns:a16="http://schemas.microsoft.com/office/drawing/2014/main" id="{1C54C0BD-8748-49DD-862A-722794D9B02F}"/>
+                <a16:creationId xmlns:a16="http://schemas.microsoft.com/office/drawing/2014/main" xmlns="" id="{1C54C0BD-8748-49DD-862A-722794D9B02F}"/>
               </a:ext>
             </a:extLst>
           </p:cNvPr>
@@ -2668,6 +2689,7 @@
           <a:p>
             <a:fld id="{B0F284C2-6C6D-4BA0-B575-C85255FC49D2}" type="datetimeFigureOut">
               <a:rPr lang="en-US" smtClean="0"/>
+              <a:pPr/>
               <a:t>6/17/2019</a:t>
             </a:fld>
             <a:endParaRPr lang="en-US"/>
@@ -2679,7 +2701,7 @@
           <p:cNvPr id="6" name="Footer Placeholder 5">
             <a:extLst>
               <a:ext uri="{FF2B5EF4-FFF2-40B4-BE49-F238E27FC236}">
-                <a16:creationId xmlns:a16="http://schemas.microsoft.com/office/drawing/2014/main" id="{49578A17-5078-4C9E-A98A-8B2884E9A049}"/>
+                <a16:creationId xmlns:a16="http://schemas.microsoft.com/office/drawing/2014/main" xmlns="" id="{49578A17-5078-4C9E-A98A-8B2884E9A049}"/>
               </a:ext>
             </a:extLst>
           </p:cNvPr>
@@ -2704,7 +2726,7 @@
           <p:cNvPr id="7" name="Slide Number Placeholder 6">
             <a:extLst>
               <a:ext uri="{FF2B5EF4-FFF2-40B4-BE49-F238E27FC236}">
-                <a16:creationId xmlns:a16="http://schemas.microsoft.com/office/drawing/2014/main" id="{D871CEBF-99CD-44C5-B5FC-1D212027FBDB}"/>
+                <a16:creationId xmlns:a16="http://schemas.microsoft.com/office/drawing/2014/main" xmlns="" id="{D871CEBF-99CD-44C5-B5FC-1D212027FBDB}"/>
               </a:ext>
             </a:extLst>
           </p:cNvPr>
@@ -2722,6 +2744,7 @@
           <a:p>
             <a:fld id="{B9BD1031-23E5-4101-8B65-AF9DF8F65B8D}" type="slidenum">
               <a:rPr lang="en-US" smtClean="0"/>
+              <a:pPr/>
               <a:t>‹#›</a:t>
             </a:fld>
             <a:endParaRPr lang="en-US"/>
@@ -2731,7 +2754,7 @@
     </p:spTree>
     <p:extLst>
       <p:ext uri="{BB962C8B-B14F-4D97-AF65-F5344CB8AC3E}">
-        <p14:creationId xmlns:p14="http://schemas.microsoft.com/office/powerpoint/2010/main" val="1011090637"/>
+        <p14:creationId xmlns:p14="http://schemas.microsoft.com/office/powerpoint/2010/main" xmlns="" val="1011090637"/>
       </p:ext>
     </p:extLst>
   </p:cSld>
@@ -2768,7 +2791,7 @@
           <p:cNvPr id="2" name="Title Placeholder 1">
             <a:extLst>
               <a:ext uri="{FF2B5EF4-FFF2-40B4-BE49-F238E27FC236}">
-                <a16:creationId xmlns:a16="http://schemas.microsoft.com/office/drawing/2014/main" id="{F96238C0-5638-4110-9479-C4C3BE1A3CFC}"/>
+                <a16:creationId xmlns:a16="http://schemas.microsoft.com/office/drawing/2014/main" xmlns="" id="{F96238C0-5638-4110-9479-C4C3BE1A3CFC}"/>
               </a:ext>
             </a:extLst>
           </p:cNvPr>
@@ -2806,7 +2829,7 @@
           <p:cNvPr id="3" name="Text Placeholder 2">
             <a:extLst>
               <a:ext uri="{FF2B5EF4-FFF2-40B4-BE49-F238E27FC236}">
-                <a16:creationId xmlns:a16="http://schemas.microsoft.com/office/drawing/2014/main" id="{C51B2865-8743-42AC-80E4-2E2BC0008C0B}"/>
+                <a16:creationId xmlns:a16="http://schemas.microsoft.com/office/drawing/2014/main" xmlns="" id="{C51B2865-8743-42AC-80E4-2E2BC0008C0B}"/>
               </a:ext>
             </a:extLst>
           </p:cNvPr>
@@ -2873,7 +2896,7 @@
           <p:cNvPr id="4" name="Date Placeholder 3">
             <a:extLst>
               <a:ext uri="{FF2B5EF4-FFF2-40B4-BE49-F238E27FC236}">
-                <a16:creationId xmlns:a16="http://schemas.microsoft.com/office/drawing/2014/main" id="{CE39074E-1648-45E6-AA2C-E9055280D373}"/>
+                <a16:creationId xmlns:a16="http://schemas.microsoft.com/office/drawing/2014/main" xmlns="" id="{CE39074E-1648-45E6-AA2C-E9055280D373}"/>
               </a:ext>
             </a:extLst>
           </p:cNvPr>
@@ -2909,6 +2932,7 @@
           <a:p>
             <a:fld id="{B0F284C2-6C6D-4BA0-B575-C85255FC49D2}" type="datetimeFigureOut">
               <a:rPr lang="en-US" smtClean="0"/>
+              <a:pPr/>
               <a:t>6/17/2019</a:t>
             </a:fld>
             <a:endParaRPr lang="en-US"/>
@@ -2920,7 +2944,7 @@
           <p:cNvPr id="5" name="Footer Placeholder 4">
             <a:extLst>
               <a:ext uri="{FF2B5EF4-FFF2-40B4-BE49-F238E27FC236}">
-                <a16:creationId xmlns:a16="http://schemas.microsoft.com/office/drawing/2014/main" id="{67F656B5-62D1-4158-B93F-FB54101052E6}"/>
+                <a16:creationId xmlns:a16="http://schemas.microsoft.com/office/drawing/2014/main" xmlns="" id="{67F656B5-62D1-4158-B93F-FB54101052E6}"/>
               </a:ext>
             </a:extLst>
           </p:cNvPr>
@@ -2963,7 +2987,7 @@
           <p:cNvPr id="6" name="Slide Number Placeholder 5">
             <a:extLst>
               <a:ext uri="{FF2B5EF4-FFF2-40B4-BE49-F238E27FC236}">
-                <a16:creationId xmlns:a16="http://schemas.microsoft.com/office/drawing/2014/main" id="{7D757D18-98C2-43B4-ADC1-1B50C3BB8A1D}"/>
+                <a16:creationId xmlns:a16="http://schemas.microsoft.com/office/drawing/2014/main" xmlns="" id="{7D757D18-98C2-43B4-ADC1-1B50C3BB8A1D}"/>
               </a:ext>
             </a:extLst>
           </p:cNvPr>
@@ -2999,6 +3023,7 @@
           <a:p>
             <a:fld id="{B9BD1031-23E5-4101-8B65-AF9DF8F65B8D}" type="slidenum">
               <a:rPr lang="en-US" smtClean="0"/>
+              <a:pPr/>
               <a:t>‹#›</a:t>
             </a:fld>
             <a:endParaRPr lang="en-US"/>
@@ -3008,7 +3033,7 @@
     </p:spTree>
     <p:extLst>
       <p:ext uri="{BB962C8B-B14F-4D97-AF65-F5344CB8AC3E}">
-        <p14:creationId xmlns:p14="http://schemas.microsoft.com/office/powerpoint/2010/main" val="1126954995"/>
+        <p14:creationId xmlns:p14="http://schemas.microsoft.com/office/powerpoint/2010/main" xmlns="" val="1126954995"/>
       </p:ext>
     </p:extLst>
   </p:cSld>
@@ -3331,7 +3356,7 @@
           <p:cNvPr id="2" name="Title 1">
             <a:extLst>
               <a:ext uri="{FF2B5EF4-FFF2-40B4-BE49-F238E27FC236}">
-                <a16:creationId xmlns:a16="http://schemas.microsoft.com/office/drawing/2014/main" id="{C13E784F-290D-4B4E-A869-6AA5DE69A538}"/>
+                <a16:creationId xmlns:a16="http://schemas.microsoft.com/office/drawing/2014/main" xmlns="" id="{C13E784F-290D-4B4E-A869-6AA5DE69A538}"/>
               </a:ext>
             </a:extLst>
           </p:cNvPr>
@@ -3361,6 +3386,13 @@
               </a:rPr>
               <a:t>Глава 4 Создание программного средства</a:t>
             </a:r>
+            <a:r>
+              <a:rPr lang="en-US" sz="3300" dirty="0">
+                <a:latin typeface="Times New Roman" panose="02020603050405020304" pitchFamily="18" charset="0"/>
+                <a:cs typeface="Times New Roman" panose="02020603050405020304" pitchFamily="18" charset="0"/>
+              </a:rPr>
+              <a:t/>
+            </a:r>
             <a:br>
               <a:rPr lang="en-US" sz="3300" dirty="0">
                 <a:latin typeface="Times New Roman" panose="02020603050405020304" pitchFamily="18" charset="0"/>
@@ -3400,7 +3432,7 @@
           <p:cNvPr id="3" name="Content Placeholder 2">
             <a:extLst>
               <a:ext uri="{FF2B5EF4-FFF2-40B4-BE49-F238E27FC236}">
-                <a16:creationId xmlns:a16="http://schemas.microsoft.com/office/drawing/2014/main" id="{F688F72E-1EE0-4CE9-9602-7AE82FA1A39D}"/>
+                <a16:creationId xmlns:a16="http://schemas.microsoft.com/office/drawing/2014/main" xmlns="" id="{F688F72E-1EE0-4CE9-9602-7AE82FA1A39D}"/>
               </a:ext>
             </a:extLst>
           </p:cNvPr>
@@ -3495,7 +3527,7 @@
     </p:spTree>
     <p:extLst>
       <p:ext uri="{BB962C8B-B14F-4D97-AF65-F5344CB8AC3E}">
-        <p14:creationId xmlns:p14="http://schemas.microsoft.com/office/powerpoint/2010/main" val="836772511"/>
+        <p14:creationId xmlns:p14="http://schemas.microsoft.com/office/powerpoint/2010/main" xmlns="" val="836772511"/>
       </p:ext>
     </p:extLst>
   </p:cSld>
@@ -3524,13 +3556,7 @@
       </p:grpSpPr>
       <p:sp>
         <p:nvSpPr>
-          <p:cNvPr id="2" name="Title 1">
-            <a:extLst>
-              <a:ext uri="{FF2B5EF4-FFF2-40B4-BE49-F238E27FC236}">
-                <a16:creationId xmlns:a16="http://schemas.microsoft.com/office/drawing/2014/main" id="{B359B1F9-6EBC-4834-8372-A41522EDCC6E}"/>
-              </a:ext>
-            </a:extLst>
-          </p:cNvPr>
+          <p:cNvPr id="2" name="Заголовок 1"/>
           <p:cNvSpPr>
             <a:spLocks noGrp="1"/>
           </p:cNvSpPr>
@@ -3538,65 +3564,22 @@
             <p:ph type="title"/>
           </p:nvPr>
         </p:nvSpPr>
-        <p:spPr>
-          <a:xfrm>
-            <a:off x="838200" y="18255"/>
-            <a:ext cx="10515600" cy="1325563"/>
-          </a:xfrm>
-        </p:spPr>
-        <p:txBody>
-          <a:bodyPr>
-            <a:normAutofit/>
-          </a:bodyPr>
-          <a:lstStyle/>
-          <a:p>
-            <a:r>
-              <a:rPr lang="ru-RU" sz="3300" dirty="0">
-                <a:latin typeface="Times New Roman" panose="02020603050405020304" pitchFamily="18" charset="0"/>
-                <a:cs typeface="Times New Roman" panose="02020603050405020304" pitchFamily="18" charset="0"/>
-              </a:rPr>
-              <a:t>Глава 4 Создание программного средства</a:t>
-            </a:r>
-            <a:br>
-              <a:rPr lang="en-US" sz="3300" dirty="0">
-                <a:latin typeface="Times New Roman" panose="02020603050405020304" pitchFamily="18" charset="0"/>
-                <a:cs typeface="Times New Roman" panose="02020603050405020304" pitchFamily="18" charset="0"/>
-              </a:rPr>
-            </a:br>
-            <a:r>
-              <a:rPr lang="ru-RU" sz="3300" dirty="0">
-                <a:latin typeface="Times New Roman" panose="02020603050405020304" pitchFamily="18" charset="0"/>
-                <a:cs typeface="Times New Roman" panose="02020603050405020304" pitchFamily="18" charset="0"/>
-              </a:rPr>
-              <a:t>4.1 Реализация частей системы</a:t>
-            </a:r>
-            <a:r>
-              <a:rPr lang="en-US" sz="3300" dirty="0">
-                <a:latin typeface="Times New Roman" panose="02020603050405020304" pitchFamily="18" charset="0"/>
-                <a:cs typeface="Times New Roman" panose="02020603050405020304" pitchFamily="18" charset="0"/>
-              </a:rPr>
-              <a:t> – </a:t>
-            </a:r>
-            <a:r>
-              <a:rPr lang="ru-RU" sz="3300" dirty="0">
-                <a:latin typeface="Times New Roman" panose="02020603050405020304" pitchFamily="18" charset="0"/>
-                <a:cs typeface="Times New Roman" panose="02020603050405020304" pitchFamily="18" charset="0"/>
-              </a:rPr>
-              <a:t>сервер</a:t>
-            </a:r>
-            <a:endParaRPr lang="en-US" sz="3300" dirty="0"/>
-          </a:p>
-        </p:txBody>
-      </p:sp>
-      <p:sp>
-        <p:nvSpPr>
-          <p:cNvPr id="3" name="Content Placeholder 2">
-            <a:extLst>
-              <a:ext uri="{FF2B5EF4-FFF2-40B4-BE49-F238E27FC236}">
-                <a16:creationId xmlns:a16="http://schemas.microsoft.com/office/drawing/2014/main" id="{00A857F2-FBEA-4DD2-AC28-BEC3EE81AD69}"/>
-              </a:ext>
-            </a:extLst>
-          </p:cNvPr>
+        <p:spPr/>
+        <p:txBody>
+          <a:bodyPr/>
+          <a:lstStyle/>
+          <a:p>
+            <a:r>
+              <a:rPr lang="ru-RU" dirty="0" smtClean="0"/>
+              <a:t>Актуальность	</a:t>
+            </a:r>
+            <a:endParaRPr lang="be-BY" dirty="0"/>
+          </a:p>
+        </p:txBody>
+      </p:sp>
+      <p:sp>
+        <p:nvSpPr>
+          <p:cNvPr id="3" name="Содержимое 2"/>
           <p:cNvSpPr>
             <a:spLocks noGrp="1"/>
           </p:cNvSpPr>
@@ -3609,103 +3592,15 @@
           <a:bodyPr/>
           <a:lstStyle/>
           <a:p>
-            <a:pPr marL="0" indent="0" algn="just">
-              <a:buNone/>
-            </a:pPr>
-            <a:r>
-              <a:rPr lang="en-US" dirty="0"/>
-              <a:t>	</a:t>
-            </a:r>
-            <a:r>
-              <a:rPr lang="ru-RU" dirty="0">
-                <a:latin typeface="Times New Roman" panose="02020603050405020304" pitchFamily="18" charset="0"/>
-                <a:cs typeface="Times New Roman" panose="02020603050405020304" pitchFamily="18" charset="0"/>
-              </a:rPr>
-              <a:t>Основной задачей сервера является получение и предоставление данных о пациенте. Б</a:t>
-            </a:r>
-            <a:r>
-              <a:rPr lang="be-BY" dirty="0">
-                <a:latin typeface="Times New Roman" panose="02020603050405020304" pitchFamily="18" charset="0"/>
-                <a:cs typeface="Times New Roman" panose="02020603050405020304" pitchFamily="18" charset="0"/>
-              </a:rPr>
-              <a:t>ыл разработан с использованием технологии </a:t>
-            </a:r>
-            <a:r>
-              <a:rPr lang="en-US" dirty="0">
-                <a:latin typeface="Times New Roman" panose="02020603050405020304" pitchFamily="18" charset="0"/>
-                <a:cs typeface="Times New Roman" panose="02020603050405020304" pitchFamily="18" charset="0"/>
-              </a:rPr>
-              <a:t>ASP</a:t>
-            </a:r>
-            <a:r>
-              <a:rPr lang="be-BY" dirty="0">
-                <a:latin typeface="Times New Roman" panose="02020603050405020304" pitchFamily="18" charset="0"/>
-                <a:cs typeface="Times New Roman" panose="02020603050405020304" pitchFamily="18" charset="0"/>
-              </a:rPr>
-              <a:t>.</a:t>
-            </a:r>
-            <a:r>
-              <a:rPr lang="en-US" dirty="0">
-                <a:latin typeface="Times New Roman" panose="02020603050405020304" pitchFamily="18" charset="0"/>
-                <a:cs typeface="Times New Roman" panose="02020603050405020304" pitchFamily="18" charset="0"/>
-              </a:rPr>
-              <a:t>NET Web API</a:t>
-            </a:r>
-            <a:r>
-              <a:rPr lang="be-BY" dirty="0">
-                <a:latin typeface="Times New Roman" panose="02020603050405020304" pitchFamily="18" charset="0"/>
-                <a:cs typeface="Times New Roman" panose="02020603050405020304" pitchFamily="18" charset="0"/>
-              </a:rPr>
-              <a:t> 2.0, доступ к ресурсам котор</a:t>
-            </a:r>
-            <a:r>
-              <a:rPr lang="ru-RU" dirty="0">
-                <a:latin typeface="Times New Roman" panose="02020603050405020304" pitchFamily="18" charset="0"/>
-                <a:cs typeface="Times New Roman" panose="02020603050405020304" pitchFamily="18" charset="0"/>
-              </a:rPr>
-              <a:t>ого </a:t>
-            </a:r>
-            <a:r>
-              <a:rPr lang="be-BY" dirty="0">
-                <a:latin typeface="Times New Roman" panose="02020603050405020304" pitchFamily="18" charset="0"/>
-                <a:cs typeface="Times New Roman" panose="02020603050405020304" pitchFamily="18" charset="0"/>
-              </a:rPr>
-              <a:t>предоставляется через </a:t>
-            </a:r>
-            <a:r>
-              <a:rPr lang="en-US" dirty="0">
-                <a:latin typeface="Times New Roman" panose="02020603050405020304" pitchFamily="18" charset="0"/>
-                <a:cs typeface="Times New Roman" panose="02020603050405020304" pitchFamily="18" charset="0"/>
-              </a:rPr>
-              <a:t>HTTP</a:t>
-            </a:r>
-            <a:r>
-              <a:rPr lang="be-BY" dirty="0">
-                <a:latin typeface="Times New Roman" panose="02020603050405020304" pitchFamily="18" charset="0"/>
-                <a:cs typeface="Times New Roman" panose="02020603050405020304" pitchFamily="18" charset="0"/>
-              </a:rPr>
-              <a:t> запросы. </a:t>
-            </a:r>
-            <a:r>
-              <a:rPr lang="ru-RU" dirty="0">
-                <a:latin typeface="Times New Roman" panose="02020603050405020304" pitchFamily="18" charset="0"/>
-                <a:cs typeface="Times New Roman" panose="02020603050405020304" pitchFamily="18" charset="0"/>
-              </a:rPr>
-              <a:t>Получает всю поведенческую информацию пациента от мобильного приложения и сохраняет её в базу данных.</a:t>
-            </a:r>
-            <a:endParaRPr lang="en-US" dirty="0">
-              <a:latin typeface="Times New Roman" panose="02020603050405020304" pitchFamily="18" charset="0"/>
-              <a:cs typeface="Times New Roman" panose="02020603050405020304" pitchFamily="18" charset="0"/>
-            </a:endParaRPr>
+            <a:r>
+              <a:rPr lang="ru-RU" smtClean="0"/>
+              <a:t>Мы живем в сложном мире, который может травмировать нас самыми разными способами — от техногенных катастроф до простого нарушения в работе организма.</a:t>
+            </a:r>
+            <a:endParaRPr lang="be-BY"/>
           </a:p>
         </p:txBody>
       </p:sp>
     </p:spTree>
-    <p:extLst>
-      <p:ext uri="{BB962C8B-B14F-4D97-AF65-F5344CB8AC3E}">
-        <p14:creationId xmlns:p14="http://schemas.microsoft.com/office/powerpoint/2010/main" val="162237773"/>
-      </p:ext>
-    </p:extLst>
   </p:cSld>
   <p:clrMapOvr>
     <a:masterClrMapping/>
@@ -3735,7 +3630,7 @@
           <p:cNvPr id="2" name="Title 1">
             <a:extLst>
               <a:ext uri="{FF2B5EF4-FFF2-40B4-BE49-F238E27FC236}">
-                <a16:creationId xmlns:a16="http://schemas.microsoft.com/office/drawing/2014/main" id="{2C0F4CC8-13B3-478B-BDA1-E9E22D3EE906}"/>
+                <a16:creationId xmlns:a16="http://schemas.microsoft.com/office/drawing/2014/main" xmlns="" id="{B359B1F9-6EBC-4834-8372-A41522EDCC6E}"/>
               </a:ext>
             </a:extLst>
           </p:cNvPr>
@@ -3765,6 +3660,13 @@
               </a:rPr>
               <a:t>Глава 4 Создание программного средства</a:t>
             </a:r>
+            <a:r>
+              <a:rPr lang="en-US" sz="3300" dirty="0">
+                <a:latin typeface="Times New Roman" panose="02020603050405020304" pitchFamily="18" charset="0"/>
+                <a:cs typeface="Times New Roman" panose="02020603050405020304" pitchFamily="18" charset="0"/>
+              </a:rPr>
+              <a:t/>
+            </a:r>
             <a:br>
               <a:rPr lang="en-US" sz="3300" dirty="0">
                 <a:latin typeface="Times New Roman" panose="02020603050405020304" pitchFamily="18" charset="0"/>
@@ -3790,7 +3692,7 @@
                 <a:latin typeface="Times New Roman" panose="02020603050405020304" pitchFamily="18" charset="0"/>
                 <a:cs typeface="Times New Roman" panose="02020603050405020304" pitchFamily="18" charset="0"/>
               </a:rPr>
-              <a:t>вычислительный сервис</a:t>
+              <a:t>сервер</a:t>
             </a:r>
             <a:endParaRPr lang="en-US" sz="3300" dirty="0"/>
           </a:p>
@@ -3801,7 +3703,7 @@
           <p:cNvPr id="3" name="Content Placeholder 2">
             <a:extLst>
               <a:ext uri="{FF2B5EF4-FFF2-40B4-BE49-F238E27FC236}">
-                <a16:creationId xmlns:a16="http://schemas.microsoft.com/office/drawing/2014/main" id="{CA675FB7-FCAB-4D1B-A4A8-3F585CEE5967}"/>
+                <a16:creationId xmlns:a16="http://schemas.microsoft.com/office/drawing/2014/main" xmlns="" id="{00A857F2-FBEA-4DD2-AC28-BEC3EE81AD69}"/>
               </a:ext>
             </a:extLst>
           </p:cNvPr>
@@ -3821,7 +3723,7 @@
               <a:buNone/>
             </a:pPr>
             <a:r>
-              <a:rPr lang="ru-RU" dirty="0"/>
+              <a:rPr lang="en-US" dirty="0"/>
               <a:t>	</a:t>
             </a:r>
             <a:r>
@@ -3829,7 +3731,77 @@
                 <a:latin typeface="Times New Roman" panose="02020603050405020304" pitchFamily="18" charset="0"/>
                 <a:cs typeface="Times New Roman" panose="02020603050405020304" pitchFamily="18" charset="0"/>
               </a:rPr>
-              <a:t>Сервис автоматически запускается каждые двадцать четыре часа. При запуске производится проверка данных пациента на наличие новой информации, и выполняется пересчет психологического состояния.</a:t>
+              <a:t>Основной задачей сервера является получение и предоставление данных о пациенте. Б</a:t>
+            </a:r>
+            <a:r>
+              <a:rPr lang="be-BY" dirty="0">
+                <a:latin typeface="Times New Roman" panose="02020603050405020304" pitchFamily="18" charset="0"/>
+                <a:cs typeface="Times New Roman" panose="02020603050405020304" pitchFamily="18" charset="0"/>
+              </a:rPr>
+              <a:t>ыл разработан с использованием технологии </a:t>
+            </a:r>
+            <a:r>
+              <a:rPr lang="en-US" dirty="0">
+                <a:latin typeface="Times New Roman" panose="02020603050405020304" pitchFamily="18" charset="0"/>
+                <a:cs typeface="Times New Roman" panose="02020603050405020304" pitchFamily="18" charset="0"/>
+              </a:rPr>
+              <a:t>ASP</a:t>
+            </a:r>
+            <a:r>
+              <a:rPr lang="be-BY" dirty="0">
+                <a:latin typeface="Times New Roman" panose="02020603050405020304" pitchFamily="18" charset="0"/>
+                <a:cs typeface="Times New Roman" panose="02020603050405020304" pitchFamily="18" charset="0"/>
+              </a:rPr>
+              <a:t>.</a:t>
+            </a:r>
+            <a:r>
+              <a:rPr lang="en-US" dirty="0">
+                <a:latin typeface="Times New Roman" panose="02020603050405020304" pitchFamily="18" charset="0"/>
+                <a:cs typeface="Times New Roman" panose="02020603050405020304" pitchFamily="18" charset="0"/>
+              </a:rPr>
+              <a:t>NET Web API</a:t>
+            </a:r>
+            <a:r>
+              <a:rPr lang="be-BY" dirty="0">
+                <a:latin typeface="Times New Roman" panose="02020603050405020304" pitchFamily="18" charset="0"/>
+                <a:cs typeface="Times New Roman" panose="02020603050405020304" pitchFamily="18" charset="0"/>
+              </a:rPr>
+              <a:t> 2.0, доступ к ресурсам котор</a:t>
+            </a:r>
+            <a:r>
+              <a:rPr lang="ru-RU" dirty="0">
+                <a:latin typeface="Times New Roman" panose="02020603050405020304" pitchFamily="18" charset="0"/>
+                <a:cs typeface="Times New Roman" panose="02020603050405020304" pitchFamily="18" charset="0"/>
+              </a:rPr>
+              <a:t>ого </a:t>
+            </a:r>
+            <a:r>
+              <a:rPr lang="be-BY" dirty="0">
+                <a:latin typeface="Times New Roman" panose="02020603050405020304" pitchFamily="18" charset="0"/>
+                <a:cs typeface="Times New Roman" panose="02020603050405020304" pitchFamily="18" charset="0"/>
+              </a:rPr>
+              <a:t>предоставляется через </a:t>
+            </a:r>
+            <a:r>
+              <a:rPr lang="en-US" dirty="0">
+                <a:latin typeface="Times New Roman" panose="02020603050405020304" pitchFamily="18" charset="0"/>
+                <a:cs typeface="Times New Roman" panose="02020603050405020304" pitchFamily="18" charset="0"/>
+              </a:rPr>
+              <a:t>HTTP</a:t>
+            </a:r>
+            <a:r>
+              <a:rPr lang="be-BY" dirty="0">
+                <a:latin typeface="Times New Roman" panose="02020603050405020304" pitchFamily="18" charset="0"/>
+                <a:cs typeface="Times New Roman" panose="02020603050405020304" pitchFamily="18" charset="0"/>
+              </a:rPr>
+              <a:t> запросы. </a:t>
+            </a:r>
+            <a:r>
+              <a:rPr lang="ru-RU" dirty="0">
+                <a:latin typeface="Times New Roman" panose="02020603050405020304" pitchFamily="18" charset="0"/>
+                <a:cs typeface="Times New Roman" panose="02020603050405020304" pitchFamily="18" charset="0"/>
+              </a:rPr>
+              <a:t>Получает всю поведенческую информацию пациента от мобильного приложения и сохраняет её в базу данных.</a:t>
             </a:r>
             <a:endParaRPr lang="en-US" dirty="0">
               <a:latin typeface="Times New Roman" panose="02020603050405020304" pitchFamily="18" charset="0"/>
@@ -3841,7 +3813,7 @@
     </p:spTree>
     <p:extLst>
       <p:ext uri="{BB962C8B-B14F-4D97-AF65-F5344CB8AC3E}">
-        <p14:creationId xmlns:p14="http://schemas.microsoft.com/office/powerpoint/2010/main" val="2250061185"/>
+        <p14:creationId xmlns:p14="http://schemas.microsoft.com/office/powerpoint/2010/main" xmlns="" val="162237773"/>
       </p:ext>
     </p:extLst>
   </p:cSld>
@@ -3873,7 +3845,7 @@
           <p:cNvPr id="2" name="Title 1">
             <a:extLst>
               <a:ext uri="{FF2B5EF4-FFF2-40B4-BE49-F238E27FC236}">
-                <a16:creationId xmlns:a16="http://schemas.microsoft.com/office/drawing/2014/main" id="{EC46A109-4E49-48D1-A6AE-8613B9559675}"/>
+                <a16:creationId xmlns:a16="http://schemas.microsoft.com/office/drawing/2014/main" xmlns="" id="{2C0F4CC8-13B3-478B-BDA1-E9E22D3EE906}"/>
               </a:ext>
             </a:extLst>
           </p:cNvPr>
@@ -3886,7 +3858,7 @@
         </p:nvSpPr>
         <p:spPr>
           <a:xfrm>
-            <a:off x="838200" y="0"/>
+            <a:off x="838200" y="18255"/>
             <a:ext cx="10515600" cy="1325563"/>
           </a:xfrm>
         </p:spPr>
@@ -3903,6 +3875,13 @@
               </a:rPr>
               <a:t>Глава 4 Создание программного средства</a:t>
             </a:r>
+            <a:r>
+              <a:rPr lang="en-US" sz="3300" dirty="0">
+                <a:latin typeface="Times New Roman" panose="02020603050405020304" pitchFamily="18" charset="0"/>
+                <a:cs typeface="Times New Roman" panose="02020603050405020304" pitchFamily="18" charset="0"/>
+              </a:rPr>
+              <a:t/>
+            </a:r>
             <a:br>
               <a:rPr lang="en-US" sz="3300" dirty="0">
                 <a:latin typeface="Times New Roman" panose="02020603050405020304" pitchFamily="18" charset="0"/>
@@ -3928,7 +3907,7 @@
                 <a:latin typeface="Times New Roman" panose="02020603050405020304" pitchFamily="18" charset="0"/>
                 <a:cs typeface="Times New Roman" panose="02020603050405020304" pitchFamily="18" charset="0"/>
               </a:rPr>
-              <a:t>веб-приложение</a:t>
+              <a:t>вычислительный сервис</a:t>
             </a:r>
             <a:endParaRPr lang="en-US" sz="3300" dirty="0"/>
           </a:p>
@@ -3939,7 +3918,7 @@
           <p:cNvPr id="3" name="Content Placeholder 2">
             <a:extLst>
               <a:ext uri="{FF2B5EF4-FFF2-40B4-BE49-F238E27FC236}">
-                <a16:creationId xmlns:a16="http://schemas.microsoft.com/office/drawing/2014/main" id="{43FF460F-432A-45C6-92F4-2E853AF6926F}"/>
+                <a16:creationId xmlns:a16="http://schemas.microsoft.com/office/drawing/2014/main" xmlns="" id="{CA675FB7-FCAB-4D1B-A4A8-3F585CEE5967}"/>
               </a:ext>
             </a:extLst>
           </p:cNvPr>
@@ -3967,71 +3946,19 @@
                 <a:latin typeface="Times New Roman" panose="02020603050405020304" pitchFamily="18" charset="0"/>
                 <a:cs typeface="Times New Roman" panose="02020603050405020304" pitchFamily="18" charset="0"/>
               </a:rPr>
-              <a:t>Веб-приложение позволяет врачу получить доступ к поведенческой информации конкретного пациента, а также увидеть предсказанное системой его психологическое состояние. П</a:t>
-            </a:r>
-            <a:r>
-              <a:rPr lang="be-BY" dirty="0">
-                <a:latin typeface="Times New Roman" panose="02020603050405020304" pitchFamily="18" charset="0"/>
-                <a:cs typeface="Times New Roman" panose="02020603050405020304" pitchFamily="18" charset="0"/>
-              </a:rPr>
-              <a:t>риложение было написано с использованием технологий </a:t>
-            </a:r>
-            <a:r>
-              <a:rPr lang="en-US" dirty="0">
-                <a:latin typeface="Times New Roman" panose="02020603050405020304" pitchFamily="18" charset="0"/>
-                <a:cs typeface="Times New Roman" panose="02020603050405020304" pitchFamily="18" charset="0"/>
-              </a:rPr>
-              <a:t>ReactJS</a:t>
-            </a:r>
-            <a:r>
-              <a:rPr lang="be-BY" dirty="0">
-                <a:latin typeface="Times New Roman" panose="02020603050405020304" pitchFamily="18" charset="0"/>
-                <a:cs typeface="Times New Roman" panose="02020603050405020304" pitchFamily="18" charset="0"/>
-              </a:rPr>
-              <a:t>, </a:t>
-            </a:r>
-            <a:r>
-              <a:rPr lang="en-US" dirty="0">
-                <a:latin typeface="Times New Roman" panose="02020603050405020304" pitchFamily="18" charset="0"/>
-                <a:cs typeface="Times New Roman" panose="02020603050405020304" pitchFamily="18" charset="0"/>
-              </a:rPr>
-              <a:t>HTML</a:t>
-            </a:r>
-            <a:r>
-              <a:rPr lang="be-BY" dirty="0">
-                <a:latin typeface="Times New Roman" panose="02020603050405020304" pitchFamily="18" charset="0"/>
-                <a:cs typeface="Times New Roman" panose="02020603050405020304" pitchFamily="18" charset="0"/>
-              </a:rPr>
-              <a:t> 5.0 и </a:t>
-            </a:r>
-            <a:r>
-              <a:rPr lang="en-US" dirty="0">
-                <a:latin typeface="Times New Roman" panose="02020603050405020304" pitchFamily="18" charset="0"/>
-                <a:cs typeface="Times New Roman" panose="02020603050405020304" pitchFamily="18" charset="0"/>
-              </a:rPr>
-              <a:t>CSS</a:t>
-            </a:r>
-            <a:r>
-              <a:rPr lang="be-BY" dirty="0">
-                <a:latin typeface="Times New Roman" panose="02020603050405020304" pitchFamily="18" charset="0"/>
-                <a:cs typeface="Times New Roman" panose="02020603050405020304" pitchFamily="18" charset="0"/>
-              </a:rPr>
-              <a:t> 3.0.</a:t>
+              <a:t>Сервис автоматически запускается каждые двадцать четыре часа. При запуске производится проверка данных пациента на наличие новой информации, и выполняется пересчет психологического состояния.</a:t>
             </a:r>
             <a:endParaRPr lang="en-US" dirty="0">
               <a:latin typeface="Times New Roman" panose="02020603050405020304" pitchFamily="18" charset="0"/>
               <a:cs typeface="Times New Roman" panose="02020603050405020304" pitchFamily="18" charset="0"/>
             </a:endParaRPr>
           </a:p>
-          <a:p>
-            <a:endParaRPr lang="en-US" dirty="0"/>
-          </a:p>
         </p:txBody>
       </p:sp>
     </p:spTree>
     <p:extLst>
       <p:ext uri="{BB962C8B-B14F-4D97-AF65-F5344CB8AC3E}">
-        <p14:creationId xmlns:p14="http://schemas.microsoft.com/office/powerpoint/2010/main" val="961746148"/>
+        <p14:creationId xmlns:p14="http://schemas.microsoft.com/office/powerpoint/2010/main" xmlns="" val="2250061185"/>
       </p:ext>
     </p:extLst>
   </p:cSld>
@@ -4063,7 +3990,7 @@
           <p:cNvPr id="2" name="Title 1">
             <a:extLst>
               <a:ext uri="{FF2B5EF4-FFF2-40B4-BE49-F238E27FC236}">
-                <a16:creationId xmlns:a16="http://schemas.microsoft.com/office/drawing/2014/main" id="{E3412165-897C-43AD-A579-8305EABB350A}"/>
+                <a16:creationId xmlns:a16="http://schemas.microsoft.com/office/drawing/2014/main" xmlns="" id="{EC46A109-4E49-48D1-A6AE-8613B9559675}"/>
               </a:ext>
             </a:extLst>
           </p:cNvPr>
@@ -4074,123 +4001,146 @@
             <p:ph type="title"/>
           </p:nvPr>
         </p:nvSpPr>
-        <p:spPr/>
-        <p:txBody>
-          <a:bodyPr>
-            <a:normAutofit fontScale="90000"/>
-          </a:bodyPr>
-          <a:lstStyle/>
-          <a:p>
-            <a:r>
-              <a:rPr lang="ru-RU" dirty="0">
-                <a:latin typeface="Times New Roman" panose="02020603050405020304" pitchFamily="18" charset="0"/>
-                <a:cs typeface="Times New Roman" panose="02020603050405020304" pitchFamily="18" charset="0"/>
-              </a:rPr>
-              <a:t>Глава 4 Создание программного средства</a:t>
-            </a:r>
-            <a:br>
-              <a:rPr lang="en-US" dirty="0">
-                <a:latin typeface="Times New Roman" panose="02020603050405020304" pitchFamily="18" charset="0"/>
-                <a:cs typeface="Times New Roman" panose="02020603050405020304" pitchFamily="18" charset="0"/>
-              </a:rPr>
-            </a:br>
-            <a:r>
-              <a:rPr lang="ru-RU" dirty="0">
-                <a:latin typeface="Times New Roman" panose="02020603050405020304" pitchFamily="18" charset="0"/>
-                <a:cs typeface="Times New Roman" panose="02020603050405020304" pitchFamily="18" charset="0"/>
-              </a:rPr>
-              <a:t>4.</a:t>
-            </a:r>
-            <a:r>
-              <a:rPr lang="en-US" dirty="0">
-                <a:latin typeface="Times New Roman" panose="02020603050405020304" pitchFamily="18" charset="0"/>
-                <a:cs typeface="Times New Roman" panose="02020603050405020304" pitchFamily="18" charset="0"/>
-              </a:rPr>
-              <a:t>2</a:t>
-            </a:r>
-            <a:r>
-              <a:rPr lang="ru-RU" dirty="0">
-                <a:latin typeface="Times New Roman" panose="02020603050405020304" pitchFamily="18" charset="0"/>
-                <a:cs typeface="Times New Roman" panose="02020603050405020304" pitchFamily="18" charset="0"/>
-              </a:rPr>
-              <a:t> Реализация классификатора</a:t>
-            </a:r>
-            <a:r>
-              <a:rPr lang="en-US" dirty="0">
-                <a:latin typeface="Times New Roman" panose="02020603050405020304" pitchFamily="18" charset="0"/>
-                <a:cs typeface="Times New Roman" panose="02020603050405020304" pitchFamily="18" charset="0"/>
-              </a:rPr>
-              <a:t> – </a:t>
-            </a:r>
-            <a:r>
-              <a:rPr lang="ru-RU" dirty="0">
-                <a:latin typeface="Times New Roman" panose="02020603050405020304" pitchFamily="18" charset="0"/>
-                <a:cs typeface="Times New Roman" panose="02020603050405020304" pitchFamily="18" charset="0"/>
-              </a:rPr>
-              <a:t>настройки</a:t>
-            </a:r>
-            <a:endParaRPr lang="en-US" dirty="0"/>
-          </a:p>
-        </p:txBody>
-      </p:sp>
-      <p:sp>
-        <p:nvSpPr>
-          <p:cNvPr id="3" name="Content Placeholder 2">
-            <a:extLst>
-              <a:ext uri="{FF2B5EF4-FFF2-40B4-BE49-F238E27FC236}">
-                <a16:creationId xmlns:a16="http://schemas.microsoft.com/office/drawing/2014/main" id="{B67B2131-9B58-43A0-8542-0C81ACBC7031}"/>
-              </a:ext>
-            </a:extLst>
-          </p:cNvPr>
-          <p:cNvSpPr>
-            <a:spLocks noGrp="1"/>
-          </p:cNvSpPr>
-          <p:nvPr>
-            <p:ph idx="1"/>
-          </p:nvPr>
-        </p:nvSpPr>
-        <p:spPr/>
+        <p:spPr>
+          <a:xfrm>
+            <a:off x="838200" y="0"/>
+            <a:ext cx="10515600" cy="1325563"/>
+          </a:xfrm>
+        </p:spPr>
         <p:txBody>
           <a:bodyPr>
             <a:normAutofit/>
           </a:bodyPr>
           <a:lstStyle/>
           <a:p>
-            <a:pPr marL="0" indent="0">
+            <a:r>
+              <a:rPr lang="ru-RU" sz="3300" dirty="0">
+                <a:latin typeface="Times New Roman" panose="02020603050405020304" pitchFamily="18" charset="0"/>
+                <a:cs typeface="Times New Roman" panose="02020603050405020304" pitchFamily="18" charset="0"/>
+              </a:rPr>
+              <a:t>Глава 4 Создание программного средства</a:t>
+            </a:r>
+            <a:r>
+              <a:rPr lang="en-US" sz="3300" dirty="0">
+                <a:latin typeface="Times New Roman" panose="02020603050405020304" pitchFamily="18" charset="0"/>
+                <a:cs typeface="Times New Roman" panose="02020603050405020304" pitchFamily="18" charset="0"/>
+              </a:rPr>
+              <a:t/>
+            </a:r>
+            <a:br>
+              <a:rPr lang="en-US" sz="3300" dirty="0">
+                <a:latin typeface="Times New Roman" panose="02020603050405020304" pitchFamily="18" charset="0"/>
+                <a:cs typeface="Times New Roman" panose="02020603050405020304" pitchFamily="18" charset="0"/>
+              </a:rPr>
+            </a:br>
+            <a:r>
+              <a:rPr lang="ru-RU" sz="3300" dirty="0">
+                <a:latin typeface="Times New Roman" panose="02020603050405020304" pitchFamily="18" charset="0"/>
+                <a:cs typeface="Times New Roman" panose="02020603050405020304" pitchFamily="18" charset="0"/>
+              </a:rPr>
+              <a:t>4.1 Реализация частей системы</a:t>
+            </a:r>
+            <a:r>
+              <a:rPr lang="en-US" sz="3300" dirty="0">
+                <a:latin typeface="Times New Roman" panose="02020603050405020304" pitchFamily="18" charset="0"/>
+                <a:cs typeface="Times New Roman" panose="02020603050405020304" pitchFamily="18" charset="0"/>
+              </a:rPr>
+              <a:t> – </a:t>
+            </a:r>
+            <a:r>
+              <a:rPr lang="ru-RU" sz="3300" dirty="0">
+                <a:latin typeface="Times New Roman" panose="02020603050405020304" pitchFamily="18" charset="0"/>
+                <a:cs typeface="Times New Roman" panose="02020603050405020304" pitchFamily="18" charset="0"/>
+              </a:rPr>
+              <a:t>веб-приложение</a:t>
+            </a:r>
+            <a:endParaRPr lang="en-US" sz="3300" dirty="0"/>
+          </a:p>
+        </p:txBody>
+      </p:sp>
+      <p:sp>
+        <p:nvSpPr>
+          <p:cNvPr id="3" name="Content Placeholder 2">
+            <a:extLst>
+              <a:ext uri="{FF2B5EF4-FFF2-40B4-BE49-F238E27FC236}">
+                <a16:creationId xmlns:a16="http://schemas.microsoft.com/office/drawing/2014/main" xmlns="" id="{43FF460F-432A-45C6-92F4-2E853AF6926F}"/>
+              </a:ext>
+            </a:extLst>
+          </p:cNvPr>
+          <p:cNvSpPr>
+            <a:spLocks noGrp="1"/>
+          </p:cNvSpPr>
+          <p:nvPr>
+            <p:ph idx="1"/>
+          </p:nvPr>
+        </p:nvSpPr>
+        <p:spPr/>
+        <p:txBody>
+          <a:bodyPr/>
+          <a:lstStyle/>
+          <a:p>
+            <a:pPr marL="0" indent="0" algn="just">
               <a:buNone/>
             </a:pPr>
             <a:r>
+              <a:rPr lang="ru-RU" dirty="0"/>
+              <a:t>	</a:t>
+            </a:r>
+            <a:r>
+              <a:rPr lang="ru-RU" dirty="0">
+                <a:latin typeface="Times New Roman" panose="02020603050405020304" pitchFamily="18" charset="0"/>
+                <a:cs typeface="Times New Roman" panose="02020603050405020304" pitchFamily="18" charset="0"/>
+              </a:rPr>
+              <a:t>Веб-приложение позволяет врачу получить доступ к поведенческой информации конкретного пациента, а также увидеть предсказанное системой его психологическое состояние. П</a:t>
+            </a:r>
+            <a:r>
+              <a:rPr lang="be-BY" dirty="0">
+                <a:latin typeface="Times New Roman" panose="02020603050405020304" pitchFamily="18" charset="0"/>
+                <a:cs typeface="Times New Roman" panose="02020603050405020304" pitchFamily="18" charset="0"/>
+              </a:rPr>
+              <a:t>риложение было написано с использованием технологий </a:t>
+            </a:r>
+            <a:r>
               <a:rPr lang="en-US" dirty="0">
                 <a:latin typeface="Times New Roman" panose="02020603050405020304" pitchFamily="18" charset="0"/>
                 <a:cs typeface="Times New Roman" panose="02020603050405020304" pitchFamily="18" charset="0"/>
               </a:rPr>
-              <a:t>– </a:t>
-            </a:r>
-            <a:r>
-              <a:rPr lang="ru-RU" dirty="0">
-                <a:latin typeface="Times New Roman" panose="02020603050405020304" pitchFamily="18" charset="0"/>
-                <a:cs typeface="Times New Roman" panose="02020603050405020304" pitchFamily="18" charset="0"/>
-              </a:rPr>
-              <a:t>Количество эпох.</a:t>
-            </a:r>
-          </a:p>
-          <a:p>
-            <a:pPr marL="0" indent="0">
-              <a:buNone/>
-            </a:pPr>
+              <a:t>ReactJS</a:t>
+            </a:r>
+            <a:r>
+              <a:rPr lang="be-BY" dirty="0">
+                <a:latin typeface="Times New Roman" panose="02020603050405020304" pitchFamily="18" charset="0"/>
+                <a:cs typeface="Times New Roman" panose="02020603050405020304" pitchFamily="18" charset="0"/>
+              </a:rPr>
+              <a:t>, </a:t>
+            </a:r>
             <a:r>
               <a:rPr lang="en-US" dirty="0">
                 <a:latin typeface="Times New Roman" panose="02020603050405020304" pitchFamily="18" charset="0"/>
                 <a:cs typeface="Times New Roman" panose="02020603050405020304" pitchFamily="18" charset="0"/>
               </a:rPr>
-              <a:t>– </a:t>
-            </a:r>
-            <a:r>
-              <a:rPr lang="ru-RU" dirty="0">
-                <a:latin typeface="Times New Roman" panose="02020603050405020304" pitchFamily="18" charset="0"/>
-                <a:cs typeface="Times New Roman" panose="02020603050405020304" pitchFamily="18" charset="0"/>
-              </a:rPr>
-              <a:t>Коэффициент скорости обучения.</a:t>
+              <a:t>HTML</a:t>
+            </a:r>
+            <a:r>
+              <a:rPr lang="be-BY" dirty="0">
+                <a:latin typeface="Times New Roman" panose="02020603050405020304" pitchFamily="18" charset="0"/>
+                <a:cs typeface="Times New Roman" panose="02020603050405020304" pitchFamily="18" charset="0"/>
+              </a:rPr>
+              <a:t> 5.0 и </a:t>
+            </a:r>
+            <a:r>
+              <a:rPr lang="en-US" dirty="0">
+                <a:latin typeface="Times New Roman" panose="02020603050405020304" pitchFamily="18" charset="0"/>
+                <a:cs typeface="Times New Roman" panose="02020603050405020304" pitchFamily="18" charset="0"/>
+              </a:rPr>
+              <a:t>CSS</a:t>
+            </a:r>
+            <a:r>
+              <a:rPr lang="be-BY" dirty="0">
+                <a:latin typeface="Times New Roman" panose="02020603050405020304" pitchFamily="18" charset="0"/>
+                <a:cs typeface="Times New Roman" panose="02020603050405020304" pitchFamily="18" charset="0"/>
+              </a:rPr>
+              <a:t> 3.0.</a:t>
             </a:r>
             <a:endParaRPr lang="en-US" dirty="0">
               <a:latin typeface="Times New Roman" panose="02020603050405020304" pitchFamily="18" charset="0"/>
@@ -4198,80 +4148,6 @@
             </a:endParaRPr>
           </a:p>
           <a:p>
-            <a:pPr marL="0" indent="0">
-              <a:buNone/>
-            </a:pPr>
-            <a:r>
-              <a:rPr lang="en-US" dirty="0">
-                <a:latin typeface="Times New Roman" panose="02020603050405020304" pitchFamily="18" charset="0"/>
-                <a:cs typeface="Times New Roman" panose="02020603050405020304" pitchFamily="18" charset="0"/>
-              </a:rPr>
-              <a:t>– </a:t>
-            </a:r>
-            <a:r>
-              <a:rPr lang="ru-RU" dirty="0">
-                <a:latin typeface="Times New Roman" panose="02020603050405020304" pitchFamily="18" charset="0"/>
-                <a:cs typeface="Times New Roman" panose="02020603050405020304" pitchFamily="18" charset="0"/>
-              </a:rPr>
-              <a:t>К</a:t>
-            </a:r>
-            <a:r>
-              <a:rPr lang="be-BY" dirty="0">
-                <a:latin typeface="Times New Roman" panose="02020603050405020304" pitchFamily="18" charset="0"/>
-                <a:cs typeface="Times New Roman" panose="02020603050405020304" pitchFamily="18" charset="0"/>
-              </a:rPr>
-              <a:t>оэффициент инерции</a:t>
-            </a:r>
-            <a:r>
-              <a:rPr lang="ru-RU" dirty="0">
-                <a:latin typeface="Times New Roman" panose="02020603050405020304" pitchFamily="18" charset="0"/>
-                <a:cs typeface="Times New Roman" panose="02020603050405020304" pitchFamily="18" charset="0"/>
-              </a:rPr>
-              <a:t>. О</a:t>
-            </a:r>
-            <a:r>
-              <a:rPr lang="be-BY" dirty="0">
-                <a:latin typeface="Times New Roman" panose="02020603050405020304" pitchFamily="18" charset="0"/>
-                <a:cs typeface="Times New Roman" panose="02020603050405020304" pitchFamily="18" charset="0"/>
-              </a:rPr>
-              <a:t>пределяет меру влияния предыдущих подстроек на текущую</a:t>
-            </a:r>
-            <a:r>
-              <a:rPr lang="ru-RU" dirty="0">
-                <a:latin typeface="Times New Roman" panose="02020603050405020304" pitchFamily="18" charset="0"/>
-                <a:cs typeface="Times New Roman" panose="02020603050405020304" pitchFamily="18" charset="0"/>
-              </a:rPr>
-              <a:t>.</a:t>
-            </a:r>
-            <a:endParaRPr lang="en-US" dirty="0">
-              <a:latin typeface="Times New Roman" panose="02020603050405020304" pitchFamily="18" charset="0"/>
-              <a:cs typeface="Times New Roman" panose="02020603050405020304" pitchFamily="18" charset="0"/>
-            </a:endParaRPr>
-          </a:p>
-          <a:p>
-            <a:pPr marL="0" indent="0">
-              <a:buNone/>
-            </a:pPr>
-            <a:r>
-              <a:rPr lang="en-US" dirty="0">
-                <a:latin typeface="Times New Roman" panose="02020603050405020304" pitchFamily="18" charset="0"/>
-                <a:cs typeface="Times New Roman" panose="02020603050405020304" pitchFamily="18" charset="0"/>
-              </a:rPr>
-              <a:t>– </a:t>
-            </a:r>
-            <a:r>
-              <a:rPr lang="ru-RU" dirty="0">
-                <a:latin typeface="Times New Roman" panose="02020603050405020304" pitchFamily="18" charset="0"/>
-                <a:cs typeface="Times New Roman" panose="02020603050405020304" pitchFamily="18" charset="0"/>
-              </a:rPr>
-              <a:t>Коэффициент стимуляции. Определяет меру влияния предыдущего значения весового коэффициента при расчете нового.</a:t>
-            </a:r>
-            <a:endParaRPr lang="en-US" dirty="0">
-              <a:latin typeface="Times New Roman" panose="02020603050405020304" pitchFamily="18" charset="0"/>
-              <a:cs typeface="Times New Roman" panose="02020603050405020304" pitchFamily="18" charset="0"/>
-            </a:endParaRPr>
-          </a:p>
-          <a:p>
             <a:endParaRPr lang="en-US" dirty="0"/>
           </a:p>
         </p:txBody>
@@ -4279,7 +4155,7 @@
     </p:spTree>
     <p:extLst>
       <p:ext uri="{BB962C8B-B14F-4D97-AF65-F5344CB8AC3E}">
-        <p14:creationId xmlns:p14="http://schemas.microsoft.com/office/powerpoint/2010/main" val="3487105090"/>
+        <p14:creationId xmlns:p14="http://schemas.microsoft.com/office/powerpoint/2010/main" xmlns="" val="961746148"/>
       </p:ext>
     </p:extLst>
   </p:cSld>
@@ -4311,7 +4187,262 @@
           <p:cNvPr id="2" name="Title 1">
             <a:extLst>
               <a:ext uri="{FF2B5EF4-FFF2-40B4-BE49-F238E27FC236}">
-                <a16:creationId xmlns:a16="http://schemas.microsoft.com/office/drawing/2014/main" id="{275CC5C1-8622-4A7B-8184-FD735871F4DE}"/>
+                <a16:creationId xmlns:a16="http://schemas.microsoft.com/office/drawing/2014/main" xmlns="" id="{E3412165-897C-43AD-A579-8305EABB350A}"/>
+              </a:ext>
+            </a:extLst>
+          </p:cNvPr>
+          <p:cNvSpPr>
+            <a:spLocks noGrp="1"/>
+          </p:cNvSpPr>
+          <p:nvPr>
+            <p:ph type="title"/>
+          </p:nvPr>
+        </p:nvSpPr>
+        <p:spPr/>
+        <p:txBody>
+          <a:bodyPr>
+            <a:normAutofit fontScale="90000"/>
+          </a:bodyPr>
+          <a:lstStyle/>
+          <a:p>
+            <a:r>
+              <a:rPr lang="ru-RU" dirty="0">
+                <a:latin typeface="Times New Roman" panose="02020603050405020304" pitchFamily="18" charset="0"/>
+                <a:cs typeface="Times New Roman" panose="02020603050405020304" pitchFamily="18" charset="0"/>
+              </a:rPr>
+              <a:t>Глава 4 Создание программного средства</a:t>
+            </a:r>
+            <a:r>
+              <a:rPr lang="en-US" dirty="0">
+                <a:latin typeface="Times New Roman" panose="02020603050405020304" pitchFamily="18" charset="0"/>
+                <a:cs typeface="Times New Roman" panose="02020603050405020304" pitchFamily="18" charset="0"/>
+              </a:rPr>
+              <a:t/>
+            </a:r>
+            <a:br>
+              <a:rPr lang="en-US" dirty="0">
+                <a:latin typeface="Times New Roman" panose="02020603050405020304" pitchFamily="18" charset="0"/>
+                <a:cs typeface="Times New Roman" panose="02020603050405020304" pitchFamily="18" charset="0"/>
+              </a:rPr>
+            </a:br>
+            <a:r>
+              <a:rPr lang="ru-RU" dirty="0">
+                <a:latin typeface="Times New Roman" panose="02020603050405020304" pitchFamily="18" charset="0"/>
+                <a:cs typeface="Times New Roman" panose="02020603050405020304" pitchFamily="18" charset="0"/>
+              </a:rPr>
+              <a:t>4.</a:t>
+            </a:r>
+            <a:r>
+              <a:rPr lang="en-US" dirty="0">
+                <a:latin typeface="Times New Roman" panose="02020603050405020304" pitchFamily="18" charset="0"/>
+                <a:cs typeface="Times New Roman" panose="02020603050405020304" pitchFamily="18" charset="0"/>
+              </a:rPr>
+              <a:t>2</a:t>
+            </a:r>
+            <a:r>
+              <a:rPr lang="ru-RU" dirty="0">
+                <a:latin typeface="Times New Roman" panose="02020603050405020304" pitchFamily="18" charset="0"/>
+                <a:cs typeface="Times New Roman" panose="02020603050405020304" pitchFamily="18" charset="0"/>
+              </a:rPr>
+              <a:t> Реализация классификатора</a:t>
+            </a:r>
+            <a:r>
+              <a:rPr lang="en-US" dirty="0">
+                <a:latin typeface="Times New Roman" panose="02020603050405020304" pitchFamily="18" charset="0"/>
+                <a:cs typeface="Times New Roman" panose="02020603050405020304" pitchFamily="18" charset="0"/>
+              </a:rPr>
+              <a:t> – </a:t>
+            </a:r>
+            <a:r>
+              <a:rPr lang="ru-RU" dirty="0">
+                <a:latin typeface="Times New Roman" panose="02020603050405020304" pitchFamily="18" charset="0"/>
+                <a:cs typeface="Times New Roman" panose="02020603050405020304" pitchFamily="18" charset="0"/>
+              </a:rPr>
+              <a:t>настройки</a:t>
+            </a:r>
+            <a:endParaRPr lang="en-US" dirty="0"/>
+          </a:p>
+        </p:txBody>
+      </p:sp>
+      <p:sp>
+        <p:nvSpPr>
+          <p:cNvPr id="3" name="Content Placeholder 2">
+            <a:extLst>
+              <a:ext uri="{FF2B5EF4-FFF2-40B4-BE49-F238E27FC236}">
+                <a16:creationId xmlns:a16="http://schemas.microsoft.com/office/drawing/2014/main" xmlns="" id="{B67B2131-9B58-43A0-8542-0C81ACBC7031}"/>
+              </a:ext>
+            </a:extLst>
+          </p:cNvPr>
+          <p:cNvSpPr>
+            <a:spLocks noGrp="1"/>
+          </p:cNvSpPr>
+          <p:nvPr>
+            <p:ph idx="1"/>
+          </p:nvPr>
+        </p:nvSpPr>
+        <p:spPr/>
+        <p:txBody>
+          <a:bodyPr>
+            <a:normAutofit/>
+          </a:bodyPr>
+          <a:lstStyle/>
+          <a:p>
+            <a:pPr marL="0" indent="0">
+              <a:buNone/>
+            </a:pPr>
+            <a:r>
+              <a:rPr lang="en-US" dirty="0">
+                <a:latin typeface="Times New Roman" panose="02020603050405020304" pitchFamily="18" charset="0"/>
+                <a:cs typeface="Times New Roman" panose="02020603050405020304" pitchFamily="18" charset="0"/>
+              </a:rPr>
+              <a:t>– </a:t>
+            </a:r>
+            <a:r>
+              <a:rPr lang="ru-RU" dirty="0">
+                <a:latin typeface="Times New Roman" panose="02020603050405020304" pitchFamily="18" charset="0"/>
+                <a:cs typeface="Times New Roman" panose="02020603050405020304" pitchFamily="18" charset="0"/>
+              </a:rPr>
+              <a:t>Количество эпох.</a:t>
+            </a:r>
+          </a:p>
+          <a:p>
+            <a:pPr marL="0" indent="0">
+              <a:buNone/>
+            </a:pPr>
+            <a:r>
+              <a:rPr lang="en-US" dirty="0">
+                <a:latin typeface="Times New Roman" panose="02020603050405020304" pitchFamily="18" charset="0"/>
+                <a:cs typeface="Times New Roman" panose="02020603050405020304" pitchFamily="18" charset="0"/>
+              </a:rPr>
+              <a:t>– </a:t>
+            </a:r>
+            <a:r>
+              <a:rPr lang="ru-RU" dirty="0">
+                <a:latin typeface="Times New Roman" panose="02020603050405020304" pitchFamily="18" charset="0"/>
+                <a:cs typeface="Times New Roman" panose="02020603050405020304" pitchFamily="18" charset="0"/>
+              </a:rPr>
+              <a:t>Коэффициент скорости обучения.</a:t>
+            </a:r>
+            <a:endParaRPr lang="en-US" dirty="0">
+              <a:latin typeface="Times New Roman" panose="02020603050405020304" pitchFamily="18" charset="0"/>
+              <a:cs typeface="Times New Roman" panose="02020603050405020304" pitchFamily="18" charset="0"/>
+            </a:endParaRPr>
+          </a:p>
+          <a:p>
+            <a:pPr marL="0" indent="0">
+              <a:buNone/>
+            </a:pPr>
+            <a:r>
+              <a:rPr lang="en-US" dirty="0">
+                <a:latin typeface="Times New Roman" panose="02020603050405020304" pitchFamily="18" charset="0"/>
+                <a:cs typeface="Times New Roman" panose="02020603050405020304" pitchFamily="18" charset="0"/>
+              </a:rPr>
+              <a:t>– </a:t>
+            </a:r>
+            <a:r>
+              <a:rPr lang="ru-RU" dirty="0">
+                <a:latin typeface="Times New Roman" panose="02020603050405020304" pitchFamily="18" charset="0"/>
+                <a:cs typeface="Times New Roman" panose="02020603050405020304" pitchFamily="18" charset="0"/>
+              </a:rPr>
+              <a:t>К</a:t>
+            </a:r>
+            <a:r>
+              <a:rPr lang="be-BY" dirty="0">
+                <a:latin typeface="Times New Roman" panose="02020603050405020304" pitchFamily="18" charset="0"/>
+                <a:cs typeface="Times New Roman" panose="02020603050405020304" pitchFamily="18" charset="0"/>
+              </a:rPr>
+              <a:t>оэффициент инерции</a:t>
+            </a:r>
+            <a:r>
+              <a:rPr lang="ru-RU" dirty="0">
+                <a:latin typeface="Times New Roman" panose="02020603050405020304" pitchFamily="18" charset="0"/>
+                <a:cs typeface="Times New Roman" panose="02020603050405020304" pitchFamily="18" charset="0"/>
+              </a:rPr>
+              <a:t>. О</a:t>
+            </a:r>
+            <a:r>
+              <a:rPr lang="be-BY" dirty="0">
+                <a:latin typeface="Times New Roman" panose="02020603050405020304" pitchFamily="18" charset="0"/>
+                <a:cs typeface="Times New Roman" panose="02020603050405020304" pitchFamily="18" charset="0"/>
+              </a:rPr>
+              <a:t>пределяет меру влияния предыдущих подстроек на текущую</a:t>
+            </a:r>
+            <a:r>
+              <a:rPr lang="ru-RU" dirty="0">
+                <a:latin typeface="Times New Roman" panose="02020603050405020304" pitchFamily="18" charset="0"/>
+                <a:cs typeface="Times New Roman" panose="02020603050405020304" pitchFamily="18" charset="0"/>
+              </a:rPr>
+              <a:t>.</a:t>
+            </a:r>
+            <a:endParaRPr lang="en-US" dirty="0">
+              <a:latin typeface="Times New Roman" panose="02020603050405020304" pitchFamily="18" charset="0"/>
+              <a:cs typeface="Times New Roman" panose="02020603050405020304" pitchFamily="18" charset="0"/>
+            </a:endParaRPr>
+          </a:p>
+          <a:p>
+            <a:pPr marL="0" indent="0">
+              <a:buNone/>
+            </a:pPr>
+            <a:r>
+              <a:rPr lang="en-US" dirty="0">
+                <a:latin typeface="Times New Roman" panose="02020603050405020304" pitchFamily="18" charset="0"/>
+                <a:cs typeface="Times New Roman" panose="02020603050405020304" pitchFamily="18" charset="0"/>
+              </a:rPr>
+              <a:t>– </a:t>
+            </a:r>
+            <a:r>
+              <a:rPr lang="ru-RU" dirty="0">
+                <a:latin typeface="Times New Roman" panose="02020603050405020304" pitchFamily="18" charset="0"/>
+                <a:cs typeface="Times New Roman" panose="02020603050405020304" pitchFamily="18" charset="0"/>
+              </a:rPr>
+              <a:t>Коэффициент стимуляции. Определяет меру влияния предыдущего значения весового коэффициента при расчете нового.</a:t>
+            </a:r>
+            <a:endParaRPr lang="en-US" dirty="0">
+              <a:latin typeface="Times New Roman" panose="02020603050405020304" pitchFamily="18" charset="0"/>
+              <a:cs typeface="Times New Roman" panose="02020603050405020304" pitchFamily="18" charset="0"/>
+            </a:endParaRPr>
+          </a:p>
+          <a:p>
+            <a:endParaRPr lang="en-US" dirty="0"/>
+          </a:p>
+        </p:txBody>
+      </p:sp>
+    </p:spTree>
+    <p:extLst>
+      <p:ext uri="{BB962C8B-B14F-4D97-AF65-F5344CB8AC3E}">
+        <p14:creationId xmlns:p14="http://schemas.microsoft.com/office/powerpoint/2010/main" xmlns="" val="3487105090"/>
+      </p:ext>
+    </p:extLst>
+  </p:cSld>
+  <p:clrMapOvr>
+    <a:masterClrMapping/>
+  </p:clrMapOvr>
+</p:sld>
+</file>
+
+<file path=ppt/slides/slide7.xml><?xml version="1.0" encoding="utf-8"?>
+<p:sld xmlns:a="http://schemas.openxmlformats.org/drawingml/2006/main" xmlns:r="http://schemas.openxmlformats.org/officeDocument/2006/relationships" xmlns:p="http://schemas.openxmlformats.org/presentationml/2006/main">
+  <p:cSld>
+    <p:spTree>
+      <p:nvGrpSpPr>
+        <p:cNvPr id="1" name=""/>
+        <p:cNvGrpSpPr/>
+        <p:nvPr/>
+      </p:nvGrpSpPr>
+      <p:grpSpPr>
+        <a:xfrm>
+          <a:off x="0" y="0"/>
+          <a:ext cx="0" cy="0"/>
+          <a:chOff x="0" y="0"/>
+          <a:chExt cx="0" cy="0"/>
+        </a:xfrm>
+      </p:grpSpPr>
+      <p:sp>
+        <p:nvSpPr>
+          <p:cNvPr id="2" name="Title 1">
+            <a:extLst>
+              <a:ext uri="{FF2B5EF4-FFF2-40B4-BE49-F238E27FC236}">
+                <a16:creationId xmlns:a16="http://schemas.microsoft.com/office/drawing/2014/main" xmlns="" id="{275CC5C1-8622-4A7B-8184-FD735871F4DE}"/>
               </a:ext>
             </a:extLst>
           </p:cNvPr>
@@ -4350,7 +4481,7 @@
     </p:spTree>
     <p:extLst>
       <p:ext uri="{BB962C8B-B14F-4D97-AF65-F5344CB8AC3E}">
-        <p14:creationId xmlns:p14="http://schemas.microsoft.com/office/powerpoint/2010/main" val="471387438"/>
+        <p14:creationId xmlns:p14="http://schemas.microsoft.com/office/powerpoint/2010/main" xmlns="" val="471387438"/>
       </p:ext>
     </p:extLst>
   </p:cSld>
@@ -4403,7 +4534,7 @@
     </a:clrScheme>
     <a:fontScheme name="Office">
       <a:majorFont>
-        <a:latin typeface="Calibri Light" panose="020F0302020204030204"/>
+        <a:latin typeface="Calibri Light"/>
         <a:ea typeface=""/>
         <a:cs typeface=""/>
         <a:font script="Jpan" typeface="游ゴシック Light"/>
@@ -4455,7 +4586,7 @@
         <a:font script="Tfng" typeface="Ebrima"/>
       </a:majorFont>
       <a:minorFont>
-        <a:latin typeface="Calibri" panose="020F0502020204030204"/>
+        <a:latin typeface="Calibri"/>
         <a:ea typeface=""/>
         <a:cs typeface=""/>
         <a:font script="Jpan" typeface="游ゴシック"/>
@@ -4649,7 +4780,7 @@
   <a:extraClrSchemeLst/>
   <a:extLst>
     <a:ext uri="{05A4C25C-085E-4340-85A3-A5531E510DB2}">
-      <thm15:themeFamily xmlns:thm15="http://schemas.microsoft.com/office/thememl/2012/main" name="Office Theme" id="{62F939B6-93AF-4DB8-9C6B-D6C7DFDC589F}" vid="{4A3C46E8-61CC-4603-A589-7422A47A8E4A}"/>
+      <thm15:themeFamily xmlns:thm15="http://schemas.microsoft.com/office/thememl/2012/main" xmlns="" name="Office Theme" id="{62F939B6-93AF-4DB8-9C6B-D6C7DFDC589F}" vid="{4A3C46E8-61CC-4603-A589-7422A47A8E4A}"/>
     </a:ext>
   </a:extLst>
 </a:theme>
